--- a/murach_js_3e/slides/Chapter 11 slides.pptx
+++ b/murach_js_3e/slides/Chapter 11 slides.pptx
@@ -376,7 +376,7 @@
               <a:pPr>
                 <a:defRPr/>
               </a:pPr>
-              <a:t>2/16/2017</a:t>
+              <a:t>7/31/2020</a:t>
             </a:fld>
             <a:endParaRPr lang="en-US"/>
           </a:p>
@@ -739,35 +739,35 @@
           <a:p>
             <a:pPr lvl="0"/>
             <a:r>
-              <a:rPr lang="en-US" noProof="0" smtClean="0"/>
+              <a:rPr lang="en-US" noProof="0"/>
               <a:t>Click to edit Master text styles</a:t>
             </a:r>
           </a:p>
           <a:p>
             <a:pPr lvl="1"/>
             <a:r>
-              <a:rPr lang="en-US" noProof="0" smtClean="0"/>
+              <a:rPr lang="en-US" noProof="0"/>
               <a:t>Second level</a:t>
             </a:r>
           </a:p>
           <a:p>
             <a:pPr lvl="2"/>
             <a:r>
-              <a:rPr lang="en-US" noProof="0" smtClean="0"/>
+              <a:rPr lang="en-US" noProof="0"/>
               <a:t>Third level</a:t>
             </a:r>
           </a:p>
           <a:p>
             <a:pPr lvl="3"/>
             <a:r>
-              <a:rPr lang="en-US" noProof="0" smtClean="0"/>
+              <a:rPr lang="en-US" noProof="0"/>
               <a:t>Fourth level</a:t>
             </a:r>
           </a:p>
           <a:p>
             <a:pPr lvl="4"/>
             <a:r>
-              <a:rPr lang="en-US" noProof="0" smtClean="0"/>
+              <a:rPr lang="en-US" noProof="0"/>
               <a:t>Fifth level</a:t>
             </a:r>
           </a:p>
@@ -1058,10 +1058,9 @@
           </a:lstStyle>
           <a:p>
             <a:r>
-              <a:rPr lang="en-US" dirty="0" smtClean="0"/>
+              <a:rPr lang="en-US" dirty="0"/>
               <a:t>Chapter number</a:t>
             </a:r>
-            <a:endParaRPr lang="en-US" dirty="0"/>
           </a:p>
         </p:txBody>
       </p:sp>
@@ -1088,7 +1087,7 @@
               <a:defRPr/>
             </a:pPr>
             <a:r>
-              <a:rPr lang="en-US" smtClean="0"/>
+              <a:rPr lang="en-US"/>
               <a:t>Murach's JavaScript and jQuery (3rd Ed.)</a:t>
             </a:r>
             <a:endParaRPr lang="en-US" dirty="0"/>
@@ -1114,7 +1113,7 @@
               <a:defRPr/>
             </a:pPr>
             <a:r>
-              <a:rPr lang="en-US" smtClean="0"/>
+              <a:rPr lang="en-US"/>
               <a:t>© 2017, Mike Murach &amp; Associates, Inc.</a:t>
             </a:r>
             <a:endParaRPr lang="en-US" dirty="0"/>
@@ -1139,7 +1138,7 @@
             <a:pPr algn="l">
               <a:defRPr/>
             </a:pPr>
-            <a:endParaRPr lang="en-US" sz="1400" dirty="0" smtClean="0">
+            <a:endParaRPr lang="en-US" sz="1400" dirty="0">
               <a:latin typeface="Times New Roman"/>
             </a:endParaRPr>
           </a:p>
@@ -1148,7 +1147,7 @@
               <a:defRPr/>
             </a:pPr>
             <a:r>
-              <a:rPr lang="en-US" dirty="0" smtClean="0">
+              <a:rPr lang="en-US" dirty="0">
                 <a:solidFill>
                   <a:schemeClr val="bg1"/>
                 </a:solidFill>
@@ -1262,10 +1261,10 @@
           <a:p>
             <a:pPr lvl="0"/>
             <a:r>
-              <a:rPr lang="en-US" smtClean="0"/>
+              <a:rPr lang="en-US"/>
               <a:t>Click to edit Master title style</a:t>
             </a:r>
-            <a:endParaRPr lang="en-US" dirty="0" smtClean="0"/>
+            <a:endParaRPr lang="en-US" dirty="0"/>
           </a:p>
         </p:txBody>
       </p:sp>
@@ -1294,7 +1293,7 @@
               <a:defRPr/>
             </a:pPr>
             <a:r>
-              <a:rPr lang="en-US" smtClean="0"/>
+              <a:rPr lang="en-US"/>
               <a:t>Murach's JavaScript and jQuery (3rd Ed.)</a:t>
             </a:r>
             <a:endParaRPr lang="en-US" dirty="0"/>
@@ -1326,10 +1325,9 @@
               <a:defRPr/>
             </a:pPr>
             <a:r>
-              <a:rPr lang="en-US" smtClean="0"/>
+              <a:rPr lang="en-US"/>
               <a:t>© 2017, Mike Murach &amp; Associates, Inc.</a:t>
             </a:r>
-            <a:endParaRPr lang="en-US"/>
           </a:p>
         </p:txBody>
       </p:sp>
@@ -1359,14 +1357,14 @@
             <a:pPr>
               <a:defRPr/>
             </a:pPr>
-            <a:endParaRPr lang="en-US" dirty="0" smtClean="0"/>
+            <a:endParaRPr lang="en-US" dirty="0"/>
           </a:p>
           <a:p>
             <a:pPr algn="r">
               <a:defRPr/>
             </a:pPr>
             <a:r>
-              <a:rPr lang="en-US" sz="900" dirty="0" smtClean="0">
+              <a:rPr lang="en-US" sz="900" dirty="0">
                 <a:solidFill>
                   <a:schemeClr val="bg1"/>
                 </a:solidFill>
@@ -1483,7 +1481,7 @@
               <a:buNone/>
               <a:tabLst/>
             </a:pPr>
-            <a:endParaRPr kumimoji="0" lang="en-US" sz="2400" b="0" i="0" u="none" strike="noStrike" cap="none" normalizeH="0" baseline="0" smtClean="0">
+            <a:endParaRPr kumimoji="0" lang="en-US" sz="2400" b="0" i="0" u="none" strike="noStrike" cap="none" normalizeH="0" baseline="0">
               <a:ln>
                 <a:noFill/>
               </a:ln>
@@ -1548,7 +1546,7 @@
           <a:p>
             <a:pPr lvl="0"/>
             <a:r>
-              <a:rPr lang="en-US" smtClean="0"/>
+              <a:rPr lang="en-US"/>
               <a:t>Click to edit Master title style</a:t>
             </a:r>
           </a:p>
@@ -1606,35 +1604,35 @@
           <a:p>
             <a:pPr lvl="0"/>
             <a:r>
-              <a:rPr lang="en-US" smtClean="0"/>
+              <a:rPr lang="en-US"/>
               <a:t>Click to edit Master text styles</a:t>
             </a:r>
           </a:p>
           <a:p>
             <a:pPr lvl="1"/>
             <a:r>
-              <a:rPr lang="en-US" smtClean="0"/>
+              <a:rPr lang="en-US"/>
               <a:t>Second level</a:t>
             </a:r>
           </a:p>
           <a:p>
             <a:pPr lvl="2"/>
             <a:r>
-              <a:rPr lang="en-US" smtClean="0"/>
+              <a:rPr lang="en-US"/>
               <a:t>Third level</a:t>
             </a:r>
           </a:p>
           <a:p>
             <a:pPr lvl="3"/>
             <a:r>
-              <a:rPr lang="en-US" smtClean="0"/>
+              <a:rPr lang="en-US"/>
               <a:t>Fourth level</a:t>
             </a:r>
           </a:p>
           <a:p>
             <a:pPr lvl="4"/>
             <a:r>
-              <a:rPr lang="en-US" smtClean="0"/>
+              <a:rPr lang="en-US"/>
               <a:t>Fifth level</a:t>
             </a:r>
           </a:p>
@@ -1687,7 +1685,7 @@
               <a:defRPr/>
             </a:pPr>
             <a:r>
-              <a:rPr lang="en-US" smtClean="0"/>
+              <a:rPr lang="en-US"/>
               <a:t>Murach's JavaScript and jQuery (3rd Ed.)</a:t>
             </a:r>
             <a:endParaRPr lang="en-US" dirty="0"/>
@@ -1740,7 +1738,7 @@
               <a:defRPr/>
             </a:pPr>
             <a:r>
-              <a:rPr lang="en-US" smtClean="0"/>
+              <a:rPr lang="en-US"/>
               <a:t>© 2017, Mike Murach &amp; Associates, Inc.</a:t>
             </a:r>
             <a:endParaRPr lang="en-US" dirty="0"/>
@@ -1789,7 +1787,7 @@
             <a:pPr algn="l">
               <a:defRPr/>
             </a:pPr>
-            <a:endParaRPr lang="en-US" sz="1400" dirty="0" smtClean="0">
+            <a:endParaRPr lang="en-US" sz="1400" dirty="0">
               <a:latin typeface="Times New Roman"/>
             </a:endParaRPr>
           </a:p>
@@ -1798,7 +1796,7 @@
               <a:defRPr/>
             </a:pPr>
             <a:r>
-              <a:rPr lang="en-US" dirty="0" smtClean="0">
+              <a:rPr lang="en-US" dirty="0">
                 <a:solidFill>
                   <a:schemeClr val="bg1"/>
                 </a:solidFill>
@@ -2264,34 +2262,59 @@
           <a:lstStyle/>
           <a:p>
             <a:r>
-              <a:rPr lang="en-US" dirty="0" smtClean="0"/>
+              <a:rPr lang="en-US" dirty="0"/>
               <a:t>Chapter 11</a:t>
             </a:r>
+          </a:p>
+        </p:txBody>
+      </p:sp>
+      <p:sp>
+        <p:nvSpPr>
+          <p:cNvPr id="3" name="Date Placeholder 2"/>
+          <p:cNvSpPr>
+            <a:spLocks noGrp="1"/>
+          </p:cNvSpPr>
+          <p:nvPr>
+            <p:ph type="dt" sz="half" idx="10"/>
+          </p:nvPr>
+        </p:nvSpPr>
+        <p:spPr/>
+        <p:txBody>
+          <a:bodyPr/>
+          <a:lstStyle/>
+          <a:p>
+            <a:pPr>
+              <a:defRPr/>
+            </a:pPr>
+            <a:r>
+              <a:rPr lang="en-US"/>
+              <a:t>Murach's JavaScript and jQuery (3rd Ed.)</a:t>
+            </a:r>
             <a:endParaRPr lang="en-US" dirty="0"/>
           </a:p>
         </p:txBody>
       </p:sp>
       <p:sp>
         <p:nvSpPr>
-          <p:cNvPr id="3" name="Date Placeholder 2"/>
-          <p:cNvSpPr>
-            <a:spLocks noGrp="1"/>
-          </p:cNvSpPr>
-          <p:nvPr>
-            <p:ph type="dt" sz="half" idx="10"/>
-          </p:nvPr>
-        </p:nvSpPr>
-        <p:spPr/>
-        <p:txBody>
-          <a:bodyPr/>
-          <a:lstStyle/>
-          <a:p>
-            <a:pPr>
-              <a:defRPr/>
-            </a:pPr>
-            <a:r>
-              <a:rPr lang="en-US" smtClean="0"/>
-              <a:t>Murach's JavaScript and jQuery (3rd Ed.)</a:t>
+          <p:cNvPr id="2" name="Footer Placeholder 1"/>
+          <p:cNvSpPr>
+            <a:spLocks noGrp="1"/>
+          </p:cNvSpPr>
+          <p:nvPr>
+            <p:ph type="ftr" sz="quarter" idx="11"/>
+          </p:nvPr>
+        </p:nvSpPr>
+        <p:spPr/>
+        <p:txBody>
+          <a:bodyPr/>
+          <a:lstStyle/>
+          <a:p>
+            <a:pPr>
+              <a:defRPr/>
+            </a:pPr>
+            <a:r>
+              <a:rPr lang="en-US"/>
+              <a:t>© 2017, Mike Murach &amp; Associates, Inc.</a:t>
             </a:r>
             <a:endParaRPr lang="en-US" dirty="0"/>
           </a:p>
@@ -2299,32 +2322,6 @@
       </p:sp>
       <p:sp>
         <p:nvSpPr>
-          <p:cNvPr id="2" name="Footer Placeholder 1"/>
-          <p:cNvSpPr>
-            <a:spLocks noGrp="1"/>
-          </p:cNvSpPr>
-          <p:nvPr>
-            <p:ph type="ftr" sz="quarter" idx="11"/>
-          </p:nvPr>
-        </p:nvSpPr>
-        <p:spPr/>
-        <p:txBody>
-          <a:bodyPr/>
-          <a:lstStyle/>
-          <a:p>
-            <a:pPr>
-              <a:defRPr/>
-            </a:pPr>
-            <a:r>
-              <a:rPr lang="en-US" smtClean="0"/>
-              <a:t>© 2017, Mike Murach &amp; Associates, Inc.</a:t>
-            </a:r>
-            <a:endParaRPr lang="en-US" dirty="0"/>
-          </a:p>
-        </p:txBody>
-      </p:sp>
-      <p:sp>
-        <p:nvSpPr>
           <p:cNvPr id="4" name="Slide Number Placeholder 3"/>
           <p:cNvSpPr>
             <a:spLocks noGrp="1"/>
@@ -2341,7 +2338,7 @@
             <a:pPr algn="l">
               <a:defRPr/>
             </a:pPr>
-            <a:endParaRPr lang="en-US" sz="1400" smtClean="0">
+            <a:endParaRPr lang="en-US" sz="1400">
               <a:latin typeface="Times New Roman"/>
             </a:endParaRPr>
           </a:p>
@@ -2350,7 +2347,7 @@
               <a:defRPr/>
             </a:pPr>
             <a:r>
-              <a:rPr lang="en-US" smtClean="0">
+              <a:rPr lang="en-US">
                 <a:solidFill>
                   <a:schemeClr val="bg1"/>
                 </a:solidFill>
@@ -2398,12 +2395,12 @@
           <a:graphicData uri="http://schemas.openxmlformats.org/presentationml/2006/ole">
             <mc:AlternateContent xmlns:mc="http://schemas.openxmlformats.org/markup-compatibility/2006">
               <mc:Choice xmlns:v="urn:schemas-microsoft-com:vml" Requires="v">
-                <p:oleObj spid="_x0000_s1035" name="Document" r:id="rId4" imgW="7313400" imgH="2482506" progId="Word.Document.12">
+                <p:oleObj spid="_x0000_s1036" name="Document" r:id="rId3" imgW="7313400" imgH="2482506" progId="Word.Document.12">
                   <p:embed/>
                 </p:oleObj>
               </mc:Choice>
               <mc:Fallback>
-                <p:oleObj name="Document" r:id="rId4" imgW="7313400" imgH="2482506" progId="Word.Document.12">
+                <p:oleObj name="Document" r:id="rId3" imgW="7313400" imgH="2482506" progId="Word.Document.12">
                   <p:embed/>
                   <p:pic>
                     <p:nvPicPr>
@@ -2412,7 +2409,7 @@
                       <p:nvPr/>
                     </p:nvPicPr>
                     <p:blipFill>
-                      <a:blip r:embed="rId5"/>
+                      <a:blip r:embed="rId4"/>
                       <a:stretch>
                         <a:fillRect/>
                       </a:stretch>
@@ -2443,13 +2440,6 @@
   <p:clrMapOvr>
     <a:masterClrMapping/>
   </p:clrMapOvr>
-  <p:timing>
-    <p:tnLst>
-      <p:par>
-        <p:cTn id="1" dur="indefinite" restart="never" nodeType="tmRoot"/>
-      </p:par>
-    </p:tnLst>
-  </p:timing>
 </p:sld>
 </file>
 
@@ -2524,7 +2514,7 @@
               <a:defRPr/>
             </a:pPr>
             <a:r>
-              <a:rPr lang="en-US" smtClean="0"/>
+              <a:rPr lang="en-US"/>
               <a:t>Murach's JavaScript and jQuery (3rd Ed.)</a:t>
             </a:r>
             <a:endParaRPr lang="en-US" dirty="0"/>
@@ -2550,39 +2540,38 @@
               <a:defRPr/>
             </a:pPr>
             <a:r>
-              <a:rPr lang="en-US" smtClean="0"/>
+              <a:rPr lang="en-US"/>
               <a:t>© 2017, Mike Murach &amp; Associates, Inc.</a:t>
             </a:r>
+          </a:p>
+        </p:txBody>
+      </p:sp>
+      <p:sp>
+        <p:nvSpPr>
+          <p:cNvPr id="5" name="Slide Number Placeholder 4"/>
+          <p:cNvSpPr>
+            <a:spLocks noGrp="1"/>
+          </p:cNvSpPr>
+          <p:nvPr>
+            <p:ph type="sldNum" sz="quarter" idx="12"/>
+          </p:nvPr>
+        </p:nvSpPr>
+        <p:spPr/>
+        <p:txBody>
+          <a:bodyPr/>
+          <a:lstStyle/>
+          <a:p>
+            <a:pPr>
+              <a:defRPr/>
+            </a:pPr>
             <a:endParaRPr lang="en-US"/>
           </a:p>
-        </p:txBody>
-      </p:sp>
-      <p:sp>
-        <p:nvSpPr>
-          <p:cNvPr id="5" name="Slide Number Placeholder 4"/>
-          <p:cNvSpPr>
-            <a:spLocks noGrp="1"/>
-          </p:cNvSpPr>
-          <p:nvPr>
-            <p:ph type="sldNum" sz="quarter" idx="12"/>
-          </p:nvPr>
-        </p:nvSpPr>
-        <p:spPr/>
-        <p:txBody>
-          <a:bodyPr/>
-          <a:lstStyle/>
-          <a:p>
-            <a:pPr>
-              <a:defRPr/>
-            </a:pPr>
-            <a:endParaRPr lang="en-US" smtClean="0"/>
-          </a:p>
           <a:p>
             <a:pPr algn="r">
               <a:defRPr/>
             </a:pPr>
             <a:r>
-              <a:rPr lang="en-US" sz="900" smtClean="0">
+              <a:rPr lang="en-US" sz="900">
                 <a:solidFill>
                   <a:schemeClr val="bg1"/>
                 </a:solidFill>
@@ -2633,12 +2622,12 @@
           <a:graphicData uri="http://schemas.openxmlformats.org/presentationml/2006/ole">
             <mc:AlternateContent xmlns:mc="http://schemas.openxmlformats.org/markup-compatibility/2006">
               <mc:Choice xmlns:v="urn:schemas-microsoft-com:vml" Requires="v">
-                <p:oleObj spid="_x0000_s9227" name="Document" r:id="rId4" imgW="7313400" imgH="1610391" progId="Word.Document.12">
+                <p:oleObj spid="_x0000_s9228" name="Document" r:id="rId3" imgW="7313400" imgH="1610391" progId="Word.Document.12">
                   <p:embed/>
                 </p:oleObj>
               </mc:Choice>
               <mc:Fallback>
-                <p:oleObj name="Document" r:id="rId4" imgW="7313400" imgH="1610391" progId="Word.Document.12">
+                <p:oleObj name="Document" r:id="rId3" imgW="7313400" imgH="1610391" progId="Word.Document.12">
                   <p:embed/>
                   <p:pic>
                     <p:nvPicPr>
@@ -2647,7 +2636,7 @@
                       <p:nvPr/>
                     </p:nvPicPr>
                     <p:blipFill>
-                      <a:blip r:embed="rId5"/>
+                      <a:blip r:embed="rId4"/>
                       <a:stretch>
                         <a:fillRect/>
                       </a:stretch>
@@ -2678,13 +2667,6 @@
   <p:clrMapOvr>
     <a:masterClrMapping/>
   </p:clrMapOvr>
-  <p:timing>
-    <p:tnLst>
-      <p:par>
-        <p:cTn id="1" dur="indefinite" restart="never" nodeType="tmRoot"/>
-      </p:par>
-    </p:tnLst>
-  </p:timing>
 </p:sld>
 </file>
 
@@ -2759,7 +2741,7 @@
               <a:defRPr/>
             </a:pPr>
             <a:r>
-              <a:rPr lang="en-US" smtClean="0"/>
+              <a:rPr lang="en-US"/>
               <a:t>Murach's JavaScript and jQuery (3rd Ed.)</a:t>
             </a:r>
             <a:endParaRPr lang="en-US" dirty="0"/>
@@ -2785,39 +2767,38 @@
               <a:defRPr/>
             </a:pPr>
             <a:r>
-              <a:rPr lang="en-US" smtClean="0"/>
+              <a:rPr lang="en-US"/>
               <a:t>© 2017, Mike Murach &amp; Associates, Inc.</a:t>
             </a:r>
+          </a:p>
+        </p:txBody>
+      </p:sp>
+      <p:sp>
+        <p:nvSpPr>
+          <p:cNvPr id="5" name="Slide Number Placeholder 4"/>
+          <p:cNvSpPr>
+            <a:spLocks noGrp="1"/>
+          </p:cNvSpPr>
+          <p:nvPr>
+            <p:ph type="sldNum" sz="quarter" idx="12"/>
+          </p:nvPr>
+        </p:nvSpPr>
+        <p:spPr/>
+        <p:txBody>
+          <a:bodyPr/>
+          <a:lstStyle/>
+          <a:p>
+            <a:pPr>
+              <a:defRPr/>
+            </a:pPr>
             <a:endParaRPr lang="en-US"/>
           </a:p>
-        </p:txBody>
-      </p:sp>
-      <p:sp>
-        <p:nvSpPr>
-          <p:cNvPr id="5" name="Slide Number Placeholder 4"/>
-          <p:cNvSpPr>
-            <a:spLocks noGrp="1"/>
-          </p:cNvSpPr>
-          <p:nvPr>
-            <p:ph type="sldNum" sz="quarter" idx="12"/>
-          </p:nvPr>
-        </p:nvSpPr>
-        <p:spPr/>
-        <p:txBody>
-          <a:bodyPr/>
-          <a:lstStyle/>
-          <a:p>
-            <a:pPr>
-              <a:defRPr/>
-            </a:pPr>
-            <a:endParaRPr lang="en-US" smtClean="0"/>
-          </a:p>
           <a:p>
             <a:pPr algn="r">
               <a:defRPr/>
             </a:pPr>
             <a:r>
-              <a:rPr lang="en-US" sz="900" smtClean="0">
+              <a:rPr lang="en-US" sz="900">
                 <a:solidFill>
                   <a:schemeClr val="bg1"/>
                 </a:solidFill>
@@ -2868,12 +2849,12 @@
           <a:graphicData uri="http://schemas.openxmlformats.org/presentationml/2006/ole">
             <mc:AlternateContent xmlns:mc="http://schemas.openxmlformats.org/markup-compatibility/2006">
               <mc:Choice xmlns:v="urn:schemas-microsoft-com:vml" Requires="v">
-                <p:oleObj spid="_x0000_s10252" name="Document" r:id="rId4" imgW="7313400" imgH="1840293" progId="Word.Document.12">
+                <p:oleObj spid="_x0000_s10253" name="Document" r:id="rId3" imgW="7313400" imgH="1840293" progId="Word.Document.12">
                   <p:embed/>
                 </p:oleObj>
               </mc:Choice>
               <mc:Fallback>
-                <p:oleObj name="Document" r:id="rId4" imgW="7313400" imgH="1840293" progId="Word.Document.12">
+                <p:oleObj name="Document" r:id="rId3" imgW="7313400" imgH="1840293" progId="Word.Document.12">
                   <p:embed/>
                   <p:pic>
                     <p:nvPicPr>
@@ -2882,7 +2863,7 @@
                       <p:nvPr/>
                     </p:nvPicPr>
                     <p:blipFill>
-                      <a:blip r:embed="rId5"/>
+                      <a:blip r:embed="rId4"/>
                       <a:stretch>
                         <a:fillRect/>
                       </a:stretch>
@@ -2913,13 +2894,6 @@
   <p:clrMapOvr>
     <a:masterClrMapping/>
   </p:clrMapOvr>
-  <p:timing>
-    <p:tnLst>
-      <p:par>
-        <p:cTn id="1" dur="indefinite" restart="never" nodeType="tmRoot"/>
-      </p:par>
-    </p:tnLst>
-  </p:timing>
 </p:sld>
 </file>
 
@@ -2994,7 +2968,7 @@
               <a:defRPr/>
             </a:pPr>
             <a:r>
-              <a:rPr lang="en-US" smtClean="0"/>
+              <a:rPr lang="en-US"/>
               <a:t>Murach's JavaScript and jQuery (3rd Ed.)</a:t>
             </a:r>
             <a:endParaRPr lang="en-US" dirty="0"/>
@@ -3020,39 +2994,38 @@
               <a:defRPr/>
             </a:pPr>
             <a:r>
-              <a:rPr lang="en-US" smtClean="0"/>
+              <a:rPr lang="en-US"/>
               <a:t>© 2017, Mike Murach &amp; Associates, Inc.</a:t>
             </a:r>
+          </a:p>
+        </p:txBody>
+      </p:sp>
+      <p:sp>
+        <p:nvSpPr>
+          <p:cNvPr id="5" name="Slide Number Placeholder 4"/>
+          <p:cNvSpPr>
+            <a:spLocks noGrp="1"/>
+          </p:cNvSpPr>
+          <p:nvPr>
+            <p:ph type="sldNum" sz="quarter" idx="12"/>
+          </p:nvPr>
+        </p:nvSpPr>
+        <p:spPr/>
+        <p:txBody>
+          <a:bodyPr/>
+          <a:lstStyle/>
+          <a:p>
+            <a:pPr>
+              <a:defRPr/>
+            </a:pPr>
             <a:endParaRPr lang="en-US"/>
           </a:p>
-        </p:txBody>
-      </p:sp>
-      <p:sp>
-        <p:nvSpPr>
-          <p:cNvPr id="5" name="Slide Number Placeholder 4"/>
-          <p:cNvSpPr>
-            <a:spLocks noGrp="1"/>
-          </p:cNvSpPr>
-          <p:nvPr>
-            <p:ph type="sldNum" sz="quarter" idx="12"/>
-          </p:nvPr>
-        </p:nvSpPr>
-        <p:spPr/>
-        <p:txBody>
-          <a:bodyPr/>
-          <a:lstStyle/>
-          <a:p>
-            <a:pPr>
-              <a:defRPr/>
-            </a:pPr>
-            <a:endParaRPr lang="en-US" smtClean="0"/>
-          </a:p>
           <a:p>
             <a:pPr algn="r">
               <a:defRPr/>
             </a:pPr>
             <a:r>
-              <a:rPr lang="en-US" sz="900" smtClean="0">
+              <a:rPr lang="en-US" sz="900">
                 <a:solidFill>
                   <a:schemeClr val="bg1"/>
                 </a:solidFill>
@@ -3124,13 +3097,6 @@
   <p:clrMapOvr>
     <a:masterClrMapping/>
   </p:clrMapOvr>
-  <p:timing>
-    <p:tnLst>
-      <p:par>
-        <p:cTn id="1" dur="indefinite" restart="never" nodeType="tmRoot"/>
-      </p:par>
-    </p:tnLst>
-  </p:timing>
 </p:sld>
 </file>
 
@@ -3205,7 +3171,7 @@
               <a:defRPr/>
             </a:pPr>
             <a:r>
-              <a:rPr lang="en-US" smtClean="0"/>
+              <a:rPr lang="en-US"/>
               <a:t>Murach's JavaScript and jQuery (3rd Ed.)</a:t>
             </a:r>
             <a:endParaRPr lang="en-US" dirty="0"/>
@@ -3231,39 +3197,38 @@
               <a:defRPr/>
             </a:pPr>
             <a:r>
-              <a:rPr lang="en-US" smtClean="0"/>
+              <a:rPr lang="en-US"/>
               <a:t>© 2017, Mike Murach &amp; Associates, Inc.</a:t>
             </a:r>
+          </a:p>
+        </p:txBody>
+      </p:sp>
+      <p:sp>
+        <p:nvSpPr>
+          <p:cNvPr id="5" name="Slide Number Placeholder 4"/>
+          <p:cNvSpPr>
+            <a:spLocks noGrp="1"/>
+          </p:cNvSpPr>
+          <p:nvPr>
+            <p:ph type="sldNum" sz="quarter" idx="12"/>
+          </p:nvPr>
+        </p:nvSpPr>
+        <p:spPr/>
+        <p:txBody>
+          <a:bodyPr/>
+          <a:lstStyle/>
+          <a:p>
+            <a:pPr>
+              <a:defRPr/>
+            </a:pPr>
             <a:endParaRPr lang="en-US"/>
           </a:p>
-        </p:txBody>
-      </p:sp>
-      <p:sp>
-        <p:nvSpPr>
-          <p:cNvPr id="5" name="Slide Number Placeholder 4"/>
-          <p:cNvSpPr>
-            <a:spLocks noGrp="1"/>
-          </p:cNvSpPr>
-          <p:nvPr>
-            <p:ph type="sldNum" sz="quarter" idx="12"/>
-          </p:nvPr>
-        </p:nvSpPr>
-        <p:spPr/>
-        <p:txBody>
-          <a:bodyPr/>
-          <a:lstStyle/>
-          <a:p>
-            <a:pPr>
-              <a:defRPr/>
-            </a:pPr>
-            <a:endParaRPr lang="en-US" smtClean="0"/>
-          </a:p>
           <a:p>
             <a:pPr algn="r">
               <a:defRPr/>
             </a:pPr>
             <a:r>
-              <a:rPr lang="en-US" sz="900" smtClean="0">
+              <a:rPr lang="en-US" sz="900">
                 <a:solidFill>
                   <a:schemeClr val="bg1"/>
                 </a:solidFill>
@@ -3314,12 +3279,12 @@
           <a:graphicData uri="http://schemas.openxmlformats.org/presentationml/2006/ole">
             <mc:AlternateContent xmlns:mc="http://schemas.openxmlformats.org/markup-compatibility/2006">
               <mc:Choice xmlns:v="urn:schemas-microsoft-com:vml" Requires="v">
-                <p:oleObj spid="_x0000_s11275" name="Document" r:id="rId4" imgW="7313400" imgH="2347228" progId="Word.Document.12">
+                <p:oleObj spid="_x0000_s11276" name="Document" r:id="rId3" imgW="7313400" imgH="2347228" progId="Word.Document.12">
                   <p:embed/>
                 </p:oleObj>
               </mc:Choice>
               <mc:Fallback>
-                <p:oleObj name="Document" r:id="rId4" imgW="7313400" imgH="2347228" progId="Word.Document.12">
+                <p:oleObj name="Document" r:id="rId3" imgW="7313400" imgH="2347228" progId="Word.Document.12">
                   <p:embed/>
                   <p:pic>
                     <p:nvPicPr>
@@ -3328,7 +3293,7 @@
                       <p:nvPr/>
                     </p:nvPicPr>
                     <p:blipFill>
-                      <a:blip r:embed="rId5"/>
+                      <a:blip r:embed="rId4"/>
                       <a:stretch>
                         <a:fillRect/>
                       </a:stretch>
@@ -3359,13 +3324,6 @@
   <p:clrMapOvr>
     <a:masterClrMapping/>
   </p:clrMapOvr>
-  <p:timing>
-    <p:tnLst>
-      <p:par>
-        <p:cTn id="1" dur="indefinite" restart="never" nodeType="tmRoot"/>
-      </p:par>
-    </p:tnLst>
-  </p:timing>
 </p:sld>
 </file>
 
@@ -3447,7 +3405,7 @@
               <a:defRPr/>
             </a:pPr>
             <a:r>
-              <a:rPr lang="en-US" smtClean="0"/>
+              <a:rPr lang="en-US"/>
               <a:t>Murach's JavaScript and jQuery (3rd Ed.)</a:t>
             </a:r>
             <a:endParaRPr lang="en-US" dirty="0"/>
@@ -3473,39 +3431,38 @@
               <a:defRPr/>
             </a:pPr>
             <a:r>
-              <a:rPr lang="en-US" smtClean="0"/>
+              <a:rPr lang="en-US"/>
               <a:t>© 2017, Mike Murach &amp; Associates, Inc.</a:t>
             </a:r>
+          </a:p>
+        </p:txBody>
+      </p:sp>
+      <p:sp>
+        <p:nvSpPr>
+          <p:cNvPr id="5" name="Slide Number Placeholder 4"/>
+          <p:cNvSpPr>
+            <a:spLocks noGrp="1"/>
+          </p:cNvSpPr>
+          <p:nvPr>
+            <p:ph type="sldNum" sz="quarter" idx="12"/>
+          </p:nvPr>
+        </p:nvSpPr>
+        <p:spPr/>
+        <p:txBody>
+          <a:bodyPr/>
+          <a:lstStyle/>
+          <a:p>
+            <a:pPr>
+              <a:defRPr/>
+            </a:pPr>
             <a:endParaRPr lang="en-US"/>
           </a:p>
-        </p:txBody>
-      </p:sp>
-      <p:sp>
-        <p:nvSpPr>
-          <p:cNvPr id="5" name="Slide Number Placeholder 4"/>
-          <p:cNvSpPr>
-            <a:spLocks noGrp="1"/>
-          </p:cNvSpPr>
-          <p:nvPr>
-            <p:ph type="sldNum" sz="quarter" idx="12"/>
-          </p:nvPr>
-        </p:nvSpPr>
-        <p:spPr/>
-        <p:txBody>
-          <a:bodyPr/>
-          <a:lstStyle/>
-          <a:p>
-            <a:pPr>
-              <a:defRPr/>
-            </a:pPr>
-            <a:endParaRPr lang="en-US" smtClean="0"/>
-          </a:p>
           <a:p>
             <a:pPr algn="r">
               <a:defRPr/>
             </a:pPr>
             <a:r>
-              <a:rPr lang="en-US" sz="900" smtClean="0">
+              <a:rPr lang="en-US" sz="900">
                 <a:solidFill>
                   <a:schemeClr val="bg1"/>
                 </a:solidFill>
@@ -3556,12 +3513,12 @@
           <a:graphicData uri="http://schemas.openxmlformats.org/presentationml/2006/ole">
             <mc:AlternateContent xmlns:mc="http://schemas.openxmlformats.org/markup-compatibility/2006">
               <mc:Choice xmlns:v="urn:schemas-microsoft-com:vml" Requires="v">
-                <p:oleObj spid="_x0000_s12299" name="Document" r:id="rId4" imgW="7313400" imgH="1610391" progId="Word.Document.12">
+                <p:oleObj spid="_x0000_s12300" name="Document" r:id="rId3" imgW="7313400" imgH="1610391" progId="Word.Document.12">
                   <p:embed/>
                 </p:oleObj>
               </mc:Choice>
               <mc:Fallback>
-                <p:oleObj name="Document" r:id="rId4" imgW="7313400" imgH="1610391" progId="Word.Document.12">
+                <p:oleObj name="Document" r:id="rId3" imgW="7313400" imgH="1610391" progId="Word.Document.12">
                   <p:embed/>
                   <p:pic>
                     <p:nvPicPr>
@@ -3570,7 +3527,7 @@
                       <p:nvPr/>
                     </p:nvPicPr>
                     <p:blipFill>
-                      <a:blip r:embed="rId5"/>
+                      <a:blip r:embed="rId4"/>
                       <a:stretch>
                         <a:fillRect/>
                       </a:stretch>
@@ -3601,13 +3558,6 @@
   <p:clrMapOvr>
     <a:masterClrMapping/>
   </p:clrMapOvr>
-  <p:timing>
-    <p:tnLst>
-      <p:par>
-        <p:cTn id="1" dur="indefinite" restart="never" nodeType="tmRoot"/>
-      </p:par>
-    </p:tnLst>
-  </p:timing>
 </p:sld>
 </file>
 
@@ -3682,7 +3632,7 @@
               <a:defRPr/>
             </a:pPr>
             <a:r>
-              <a:rPr lang="en-US" smtClean="0"/>
+              <a:rPr lang="en-US"/>
               <a:t>Murach's JavaScript and jQuery (3rd Ed.)</a:t>
             </a:r>
             <a:endParaRPr lang="en-US" dirty="0"/>
@@ -3708,39 +3658,38 @@
               <a:defRPr/>
             </a:pPr>
             <a:r>
-              <a:rPr lang="en-US" smtClean="0"/>
+              <a:rPr lang="en-US"/>
               <a:t>© 2017, Mike Murach &amp; Associates, Inc.</a:t>
             </a:r>
+          </a:p>
+        </p:txBody>
+      </p:sp>
+      <p:sp>
+        <p:nvSpPr>
+          <p:cNvPr id="5" name="Slide Number Placeholder 4"/>
+          <p:cNvSpPr>
+            <a:spLocks noGrp="1"/>
+          </p:cNvSpPr>
+          <p:nvPr>
+            <p:ph type="sldNum" sz="quarter" idx="12"/>
+          </p:nvPr>
+        </p:nvSpPr>
+        <p:spPr/>
+        <p:txBody>
+          <a:bodyPr/>
+          <a:lstStyle/>
+          <a:p>
+            <a:pPr>
+              <a:defRPr/>
+            </a:pPr>
             <a:endParaRPr lang="en-US"/>
           </a:p>
-        </p:txBody>
-      </p:sp>
-      <p:sp>
-        <p:nvSpPr>
-          <p:cNvPr id="5" name="Slide Number Placeholder 4"/>
-          <p:cNvSpPr>
-            <a:spLocks noGrp="1"/>
-          </p:cNvSpPr>
-          <p:nvPr>
-            <p:ph type="sldNum" sz="quarter" idx="12"/>
-          </p:nvPr>
-        </p:nvSpPr>
-        <p:spPr/>
-        <p:txBody>
-          <a:bodyPr/>
-          <a:lstStyle/>
-          <a:p>
-            <a:pPr>
-              <a:defRPr/>
-            </a:pPr>
-            <a:endParaRPr lang="en-US" smtClean="0"/>
-          </a:p>
           <a:p>
             <a:pPr algn="r">
               <a:defRPr/>
             </a:pPr>
             <a:r>
-              <a:rPr lang="en-US" sz="900" smtClean="0">
+              <a:rPr lang="en-US" sz="900">
                 <a:solidFill>
                   <a:schemeClr val="bg1"/>
                 </a:solidFill>
@@ -3814,13 +3763,6 @@
   <p:clrMapOvr>
     <a:masterClrMapping/>
   </p:clrMapOvr>
-  <p:timing>
-    <p:tnLst>
-      <p:par>
-        <p:cTn id="1" dur="indefinite" restart="never" nodeType="tmRoot"/>
-      </p:par>
-    </p:tnLst>
-  </p:timing>
 </p:sld>
 </file>
 
@@ -3895,7 +3837,7 @@
               <a:defRPr/>
             </a:pPr>
             <a:r>
-              <a:rPr lang="en-US" smtClean="0"/>
+              <a:rPr lang="en-US"/>
               <a:t>Murach's JavaScript and jQuery (3rd Ed.)</a:t>
             </a:r>
             <a:endParaRPr lang="en-US" dirty="0"/>
@@ -3921,39 +3863,38 @@
               <a:defRPr/>
             </a:pPr>
             <a:r>
-              <a:rPr lang="en-US" smtClean="0"/>
+              <a:rPr lang="en-US"/>
               <a:t>© 2017, Mike Murach &amp; Associates, Inc.</a:t>
             </a:r>
+          </a:p>
+        </p:txBody>
+      </p:sp>
+      <p:sp>
+        <p:nvSpPr>
+          <p:cNvPr id="5" name="Slide Number Placeholder 4"/>
+          <p:cNvSpPr>
+            <a:spLocks noGrp="1"/>
+          </p:cNvSpPr>
+          <p:nvPr>
+            <p:ph type="sldNum" sz="quarter" idx="12"/>
+          </p:nvPr>
+        </p:nvSpPr>
+        <p:spPr/>
+        <p:txBody>
+          <a:bodyPr/>
+          <a:lstStyle/>
+          <a:p>
+            <a:pPr>
+              <a:defRPr/>
+            </a:pPr>
             <a:endParaRPr lang="en-US"/>
           </a:p>
-        </p:txBody>
-      </p:sp>
-      <p:sp>
-        <p:nvSpPr>
-          <p:cNvPr id="5" name="Slide Number Placeholder 4"/>
-          <p:cNvSpPr>
-            <a:spLocks noGrp="1"/>
-          </p:cNvSpPr>
-          <p:nvPr>
-            <p:ph type="sldNum" sz="quarter" idx="12"/>
-          </p:nvPr>
-        </p:nvSpPr>
-        <p:spPr/>
-        <p:txBody>
-          <a:bodyPr/>
-          <a:lstStyle/>
-          <a:p>
-            <a:pPr>
-              <a:defRPr/>
-            </a:pPr>
-            <a:endParaRPr lang="en-US" smtClean="0"/>
-          </a:p>
           <a:p>
             <a:pPr algn="r">
               <a:defRPr/>
             </a:pPr>
             <a:r>
-              <a:rPr lang="en-US" sz="900" smtClean="0">
+              <a:rPr lang="en-US" sz="900">
                 <a:solidFill>
                   <a:schemeClr val="bg1"/>
                 </a:solidFill>
@@ -4004,12 +3945,12 @@
           <a:graphicData uri="http://schemas.openxmlformats.org/presentationml/2006/ole">
             <mc:AlternateContent xmlns:mc="http://schemas.openxmlformats.org/markup-compatibility/2006">
               <mc:Choice xmlns:v="urn:schemas-microsoft-com:vml" Requires="v">
-                <p:oleObj spid="_x0000_s13323" name="Document" r:id="rId4" imgW="7313400" imgH="2347228" progId="Word.Document.12">
+                <p:oleObj spid="_x0000_s13324" name="Document" r:id="rId3" imgW="7313400" imgH="2347228" progId="Word.Document.12">
                   <p:embed/>
                 </p:oleObj>
               </mc:Choice>
               <mc:Fallback>
-                <p:oleObj name="Document" r:id="rId4" imgW="7313400" imgH="2347228" progId="Word.Document.12">
+                <p:oleObj name="Document" r:id="rId3" imgW="7313400" imgH="2347228" progId="Word.Document.12">
                   <p:embed/>
                   <p:pic>
                     <p:nvPicPr>
@@ -4018,7 +3959,7 @@
                       <p:nvPr/>
                     </p:nvPicPr>
                     <p:blipFill>
-                      <a:blip r:embed="rId5"/>
+                      <a:blip r:embed="rId4"/>
                       <a:stretch>
                         <a:fillRect/>
                       </a:stretch>
@@ -4049,13 +3990,6 @@
   <p:clrMapOvr>
     <a:masterClrMapping/>
   </p:clrMapOvr>
-  <p:timing>
-    <p:tnLst>
-      <p:par>
-        <p:cTn id="1" dur="indefinite" restart="never" nodeType="tmRoot"/>
-      </p:par>
-    </p:tnLst>
-  </p:timing>
 </p:sld>
 </file>
 
@@ -4130,7 +4064,7 @@
               <a:defRPr/>
             </a:pPr>
             <a:r>
-              <a:rPr lang="en-US" smtClean="0"/>
+              <a:rPr lang="en-US"/>
               <a:t>Murach's JavaScript and jQuery (3rd Ed.)</a:t>
             </a:r>
             <a:endParaRPr lang="en-US" dirty="0"/>
@@ -4156,39 +4090,38 @@
               <a:defRPr/>
             </a:pPr>
             <a:r>
-              <a:rPr lang="en-US" smtClean="0"/>
+              <a:rPr lang="en-US"/>
               <a:t>© 2017, Mike Murach &amp; Associates, Inc.</a:t>
             </a:r>
+          </a:p>
+        </p:txBody>
+      </p:sp>
+      <p:sp>
+        <p:nvSpPr>
+          <p:cNvPr id="5" name="Slide Number Placeholder 4"/>
+          <p:cNvSpPr>
+            <a:spLocks noGrp="1"/>
+          </p:cNvSpPr>
+          <p:nvPr>
+            <p:ph type="sldNum" sz="quarter" idx="12"/>
+          </p:nvPr>
+        </p:nvSpPr>
+        <p:spPr/>
+        <p:txBody>
+          <a:bodyPr/>
+          <a:lstStyle/>
+          <a:p>
+            <a:pPr>
+              <a:defRPr/>
+            </a:pPr>
             <a:endParaRPr lang="en-US"/>
           </a:p>
-        </p:txBody>
-      </p:sp>
-      <p:sp>
-        <p:nvSpPr>
-          <p:cNvPr id="5" name="Slide Number Placeholder 4"/>
-          <p:cNvSpPr>
-            <a:spLocks noGrp="1"/>
-          </p:cNvSpPr>
-          <p:nvPr>
-            <p:ph type="sldNum" sz="quarter" idx="12"/>
-          </p:nvPr>
-        </p:nvSpPr>
-        <p:spPr/>
-        <p:txBody>
-          <a:bodyPr/>
-          <a:lstStyle/>
-          <a:p>
-            <a:pPr>
-              <a:defRPr/>
-            </a:pPr>
-            <a:endParaRPr lang="en-US" smtClean="0"/>
-          </a:p>
           <a:p>
             <a:pPr algn="r">
               <a:defRPr/>
             </a:pPr>
             <a:r>
-              <a:rPr lang="en-US" sz="900" smtClean="0">
+              <a:rPr lang="en-US" sz="900">
                 <a:solidFill>
                   <a:schemeClr val="bg1"/>
                 </a:solidFill>
@@ -4239,12 +4172,12 @@
           <a:graphicData uri="http://schemas.openxmlformats.org/presentationml/2006/ole">
             <mc:AlternateContent xmlns:mc="http://schemas.openxmlformats.org/markup-compatibility/2006">
               <mc:Choice xmlns:v="urn:schemas-microsoft-com:vml" Requires="v">
-                <p:oleObj spid="_x0000_s14347" name="Document" r:id="rId4" imgW="7313400" imgH="1610391" progId="Word.Document.12">
+                <p:oleObj spid="_x0000_s14348" name="Document" r:id="rId3" imgW="7313400" imgH="1610391" progId="Word.Document.12">
                   <p:embed/>
                 </p:oleObj>
               </mc:Choice>
               <mc:Fallback>
-                <p:oleObj name="Document" r:id="rId4" imgW="7313400" imgH="1610391" progId="Word.Document.12">
+                <p:oleObj name="Document" r:id="rId3" imgW="7313400" imgH="1610391" progId="Word.Document.12">
                   <p:embed/>
                   <p:pic>
                     <p:nvPicPr>
@@ -4253,7 +4186,7 @@
                       <p:nvPr/>
                     </p:nvPicPr>
                     <p:blipFill>
-                      <a:blip r:embed="rId5"/>
+                      <a:blip r:embed="rId4"/>
                       <a:stretch>
                         <a:fillRect/>
                       </a:stretch>
@@ -4284,13 +4217,6 @@
   <p:clrMapOvr>
     <a:masterClrMapping/>
   </p:clrMapOvr>
-  <p:timing>
-    <p:tnLst>
-      <p:par>
-        <p:cTn id="1" dur="indefinite" restart="never" nodeType="tmRoot"/>
-      </p:par>
-    </p:tnLst>
-  </p:timing>
 </p:sld>
 </file>
 
@@ -4365,7 +4291,7 @@
               <a:defRPr/>
             </a:pPr>
             <a:r>
-              <a:rPr lang="en-US" smtClean="0"/>
+              <a:rPr lang="en-US"/>
               <a:t>Murach's JavaScript and jQuery (3rd Ed.)</a:t>
             </a:r>
             <a:endParaRPr lang="en-US" dirty="0"/>
@@ -4391,39 +4317,38 @@
               <a:defRPr/>
             </a:pPr>
             <a:r>
-              <a:rPr lang="en-US" smtClean="0"/>
+              <a:rPr lang="en-US"/>
               <a:t>© 2017, Mike Murach &amp; Associates, Inc.</a:t>
             </a:r>
+          </a:p>
+        </p:txBody>
+      </p:sp>
+      <p:sp>
+        <p:nvSpPr>
+          <p:cNvPr id="5" name="Slide Number Placeholder 4"/>
+          <p:cNvSpPr>
+            <a:spLocks noGrp="1"/>
+          </p:cNvSpPr>
+          <p:nvPr>
+            <p:ph type="sldNum" sz="quarter" idx="12"/>
+          </p:nvPr>
+        </p:nvSpPr>
+        <p:spPr/>
+        <p:txBody>
+          <a:bodyPr/>
+          <a:lstStyle/>
+          <a:p>
+            <a:pPr>
+              <a:defRPr/>
+            </a:pPr>
             <a:endParaRPr lang="en-US"/>
           </a:p>
-        </p:txBody>
-      </p:sp>
-      <p:sp>
-        <p:nvSpPr>
-          <p:cNvPr id="5" name="Slide Number Placeholder 4"/>
-          <p:cNvSpPr>
-            <a:spLocks noGrp="1"/>
-          </p:cNvSpPr>
-          <p:nvPr>
-            <p:ph type="sldNum" sz="quarter" idx="12"/>
-          </p:nvPr>
-        </p:nvSpPr>
-        <p:spPr/>
-        <p:txBody>
-          <a:bodyPr/>
-          <a:lstStyle/>
-          <a:p>
-            <a:pPr>
-              <a:defRPr/>
-            </a:pPr>
-            <a:endParaRPr lang="en-US" smtClean="0"/>
-          </a:p>
           <a:p>
             <a:pPr algn="r">
               <a:defRPr/>
             </a:pPr>
             <a:r>
-              <a:rPr lang="en-US" sz="900" smtClean="0">
+              <a:rPr lang="en-US" sz="900">
                 <a:solidFill>
                   <a:schemeClr val="bg1"/>
                 </a:solidFill>
@@ -4474,12 +4399,12 @@
           <a:graphicData uri="http://schemas.openxmlformats.org/presentationml/2006/ole">
             <mc:AlternateContent xmlns:mc="http://schemas.openxmlformats.org/markup-compatibility/2006">
               <mc:Choice xmlns:v="urn:schemas-microsoft-com:vml" Requires="v">
-                <p:oleObj spid="_x0000_s15371" name="Document" r:id="rId4" imgW="7313400" imgH="2530717" progId="Word.Document.12">
+                <p:oleObj spid="_x0000_s15372" name="Document" r:id="rId3" imgW="7313400" imgH="2530717" progId="Word.Document.12">
                   <p:embed/>
                 </p:oleObj>
               </mc:Choice>
               <mc:Fallback>
-                <p:oleObj name="Document" r:id="rId4" imgW="7313400" imgH="2530717" progId="Word.Document.12">
+                <p:oleObj name="Document" r:id="rId3" imgW="7313400" imgH="2530717" progId="Word.Document.12">
                   <p:embed/>
                   <p:pic>
                     <p:nvPicPr>
@@ -4488,7 +4413,7 @@
                       <p:nvPr/>
                     </p:nvPicPr>
                     <p:blipFill>
-                      <a:blip r:embed="rId5"/>
+                      <a:blip r:embed="rId4"/>
                       <a:stretch>
                         <a:fillRect/>
                       </a:stretch>
@@ -4519,13 +4444,6 @@
   <p:clrMapOvr>
     <a:masterClrMapping/>
   </p:clrMapOvr>
-  <p:timing>
-    <p:tnLst>
-      <p:par>
-        <p:cTn id="1" dur="indefinite" restart="never" nodeType="tmRoot"/>
-      </p:par>
-    </p:tnLst>
-  </p:timing>
 </p:sld>
 </file>
 
@@ -4592,7 +4510,7 @@
               <a:defRPr/>
             </a:pPr>
             <a:r>
-              <a:rPr lang="en-US" smtClean="0"/>
+              <a:rPr lang="en-US"/>
               <a:t>Murach's JavaScript and jQuery (3rd Ed.)</a:t>
             </a:r>
             <a:endParaRPr lang="en-US" dirty="0"/>
@@ -4618,39 +4536,38 @@
               <a:defRPr/>
             </a:pPr>
             <a:r>
-              <a:rPr lang="en-US" smtClean="0"/>
+              <a:rPr lang="en-US"/>
               <a:t>© 2017, Mike Murach &amp; Associates, Inc.</a:t>
             </a:r>
+          </a:p>
+        </p:txBody>
+      </p:sp>
+      <p:sp>
+        <p:nvSpPr>
+          <p:cNvPr id="5" name="Slide Number Placeholder 4"/>
+          <p:cNvSpPr>
+            <a:spLocks noGrp="1"/>
+          </p:cNvSpPr>
+          <p:nvPr>
+            <p:ph type="sldNum" sz="quarter" idx="12"/>
+          </p:nvPr>
+        </p:nvSpPr>
+        <p:spPr/>
+        <p:txBody>
+          <a:bodyPr/>
+          <a:lstStyle/>
+          <a:p>
+            <a:pPr>
+              <a:defRPr/>
+            </a:pPr>
             <a:endParaRPr lang="en-US"/>
           </a:p>
-        </p:txBody>
-      </p:sp>
-      <p:sp>
-        <p:nvSpPr>
-          <p:cNvPr id="5" name="Slide Number Placeholder 4"/>
-          <p:cNvSpPr>
-            <a:spLocks noGrp="1"/>
-          </p:cNvSpPr>
-          <p:nvPr>
-            <p:ph type="sldNum" sz="quarter" idx="12"/>
-          </p:nvPr>
-        </p:nvSpPr>
-        <p:spPr/>
-        <p:txBody>
-          <a:bodyPr/>
-          <a:lstStyle/>
-          <a:p>
-            <a:pPr>
-              <a:defRPr/>
-            </a:pPr>
-            <a:endParaRPr lang="en-US" smtClean="0"/>
-          </a:p>
           <a:p>
             <a:pPr algn="r">
               <a:defRPr/>
             </a:pPr>
             <a:r>
-              <a:rPr lang="en-US" sz="900" smtClean="0">
+              <a:rPr lang="en-US" sz="900">
                 <a:solidFill>
                   <a:schemeClr val="bg1"/>
                 </a:solidFill>
@@ -4724,13 +4641,6 @@
   <p:clrMapOvr>
     <a:masterClrMapping/>
   </p:clrMapOvr>
-  <p:timing>
-    <p:tnLst>
-      <p:par>
-        <p:cTn id="1" dur="indefinite" restart="never" nodeType="tmRoot"/>
-      </p:par>
-    </p:tnLst>
-  </p:timing>
 </p:sld>
 </file>
 
@@ -4767,41 +4677,40 @@
           <a:lstStyle/>
           <a:p>
             <a:r>
-              <a:rPr lang="en-US" dirty="0" smtClean="0"/>
+              <a:rPr lang="en-US" dirty="0"/>
               <a:t>Objectives</a:t>
             </a:r>
+          </a:p>
+        </p:txBody>
+      </p:sp>
+      <p:sp>
+        <p:nvSpPr>
+          <p:cNvPr id="3" name="Date Placeholder 2"/>
+          <p:cNvSpPr>
+            <a:spLocks noGrp="1"/>
+          </p:cNvSpPr>
+          <p:nvPr>
+            <p:ph type="dt" sz="half" idx="10"/>
+          </p:nvPr>
+        </p:nvSpPr>
+        <p:spPr/>
+        <p:txBody>
+          <a:bodyPr/>
+          <a:lstStyle/>
+          <a:p>
+            <a:pPr>
+              <a:defRPr/>
+            </a:pPr>
+            <a:r>
+              <a:rPr lang="en-US"/>
+              <a:t>Murach's JavaScript and jQuery (3rd Ed.)</a:t>
+            </a:r>
             <a:endParaRPr lang="en-US" dirty="0"/>
           </a:p>
         </p:txBody>
       </p:sp>
       <p:sp>
         <p:nvSpPr>
-          <p:cNvPr id="3" name="Date Placeholder 2"/>
-          <p:cNvSpPr>
-            <a:spLocks noGrp="1"/>
-          </p:cNvSpPr>
-          <p:nvPr>
-            <p:ph type="dt" sz="half" idx="10"/>
-          </p:nvPr>
-        </p:nvSpPr>
-        <p:spPr/>
-        <p:txBody>
-          <a:bodyPr/>
-          <a:lstStyle/>
-          <a:p>
-            <a:pPr>
-              <a:defRPr/>
-            </a:pPr>
-            <a:r>
-              <a:rPr lang="en-US" smtClean="0"/>
-              <a:t>Murach's JavaScript and jQuery (3rd Ed.)</a:t>
-            </a:r>
-            <a:endParaRPr lang="en-US" dirty="0"/>
-          </a:p>
-        </p:txBody>
-      </p:sp>
-      <p:sp>
-        <p:nvSpPr>
           <p:cNvPr id="2" name="Footer Placeholder 1"/>
           <p:cNvSpPr>
             <a:spLocks noGrp="1"/>
@@ -4819,39 +4728,38 @@
               <a:defRPr/>
             </a:pPr>
             <a:r>
-              <a:rPr lang="en-US" smtClean="0"/>
+              <a:rPr lang="en-US"/>
               <a:t>© 2017, Mike Murach &amp; Associates, Inc.</a:t>
             </a:r>
+          </a:p>
+        </p:txBody>
+      </p:sp>
+      <p:sp>
+        <p:nvSpPr>
+          <p:cNvPr id="4" name="Slide Number Placeholder 3"/>
+          <p:cNvSpPr>
+            <a:spLocks noGrp="1"/>
+          </p:cNvSpPr>
+          <p:nvPr>
+            <p:ph type="sldNum" sz="quarter" idx="12"/>
+          </p:nvPr>
+        </p:nvSpPr>
+        <p:spPr/>
+        <p:txBody>
+          <a:bodyPr/>
+          <a:lstStyle/>
+          <a:p>
+            <a:pPr>
+              <a:defRPr/>
+            </a:pPr>
             <a:endParaRPr lang="en-US"/>
           </a:p>
-        </p:txBody>
-      </p:sp>
-      <p:sp>
-        <p:nvSpPr>
-          <p:cNvPr id="4" name="Slide Number Placeholder 3"/>
-          <p:cNvSpPr>
-            <a:spLocks noGrp="1"/>
-          </p:cNvSpPr>
-          <p:nvPr>
-            <p:ph type="sldNum" sz="quarter" idx="12"/>
-          </p:nvPr>
-        </p:nvSpPr>
-        <p:spPr/>
-        <p:txBody>
-          <a:bodyPr/>
-          <a:lstStyle/>
-          <a:p>
-            <a:pPr>
-              <a:defRPr/>
-            </a:pPr>
-            <a:endParaRPr lang="en-US" smtClean="0"/>
-          </a:p>
           <a:p>
             <a:pPr algn="r">
               <a:defRPr/>
             </a:pPr>
             <a:r>
-              <a:rPr lang="en-US" sz="900" smtClean="0">
+              <a:rPr lang="en-US" sz="900">
                 <a:solidFill>
                   <a:schemeClr val="bg1"/>
                 </a:solidFill>
@@ -4902,7 +4810,7 @@
           <a:graphicData uri="http://schemas.openxmlformats.org/presentationml/2006/ole">
             <mc:AlternateContent xmlns:mc="http://schemas.openxmlformats.org/markup-compatibility/2006">
               <mc:Choice xmlns:v="urn:schemas-microsoft-com:vml" Requires="v">
-                <p:oleObj spid="_x0000_s2059" name="Document" r:id="rId3" imgW="7301323" imgH="4785636" progId="Word.Document.12">
+                <p:oleObj spid="_x0000_s2060" name="Document" r:id="rId3" imgW="7301323" imgH="4785636" progId="Word.Document.12">
                   <p:embed/>
                 </p:oleObj>
               </mc:Choice>
@@ -4947,13 +4855,6 @@
   <p:clrMapOvr>
     <a:masterClrMapping/>
   </p:clrMapOvr>
-  <p:timing>
-    <p:tnLst>
-      <p:par>
-        <p:cTn id="1" dur="indefinite" restart="never" nodeType="tmRoot"/>
-      </p:par>
-    </p:tnLst>
-  </p:timing>
 </p:sld>
 </file>
 
@@ -5020,7 +4921,7 @@
               <a:defRPr/>
             </a:pPr>
             <a:r>
-              <a:rPr lang="en-US" smtClean="0"/>
+              <a:rPr lang="en-US"/>
               <a:t>Murach's JavaScript and jQuery (3rd Ed.)</a:t>
             </a:r>
             <a:endParaRPr lang="en-US" dirty="0"/>
@@ -5046,39 +4947,38 @@
               <a:defRPr/>
             </a:pPr>
             <a:r>
-              <a:rPr lang="en-US" smtClean="0"/>
+              <a:rPr lang="en-US"/>
               <a:t>© 2017, Mike Murach &amp; Associates, Inc.</a:t>
             </a:r>
+          </a:p>
+        </p:txBody>
+      </p:sp>
+      <p:sp>
+        <p:nvSpPr>
+          <p:cNvPr id="5" name="Slide Number Placeholder 4"/>
+          <p:cNvSpPr>
+            <a:spLocks noGrp="1"/>
+          </p:cNvSpPr>
+          <p:nvPr>
+            <p:ph type="sldNum" sz="quarter" idx="12"/>
+          </p:nvPr>
+        </p:nvSpPr>
+        <p:spPr/>
+        <p:txBody>
+          <a:bodyPr/>
+          <a:lstStyle/>
+          <a:p>
+            <a:pPr>
+              <a:defRPr/>
+            </a:pPr>
             <a:endParaRPr lang="en-US"/>
           </a:p>
-        </p:txBody>
-      </p:sp>
-      <p:sp>
-        <p:nvSpPr>
-          <p:cNvPr id="5" name="Slide Number Placeholder 4"/>
-          <p:cNvSpPr>
-            <a:spLocks noGrp="1"/>
-          </p:cNvSpPr>
-          <p:nvPr>
-            <p:ph type="sldNum" sz="quarter" idx="12"/>
-          </p:nvPr>
-        </p:nvSpPr>
-        <p:spPr/>
-        <p:txBody>
-          <a:bodyPr/>
-          <a:lstStyle/>
-          <a:p>
-            <a:pPr>
-              <a:defRPr/>
-            </a:pPr>
-            <a:endParaRPr lang="en-US" smtClean="0"/>
-          </a:p>
           <a:p>
             <a:pPr algn="r">
               <a:defRPr/>
             </a:pPr>
             <a:r>
-              <a:rPr lang="en-US" sz="900" smtClean="0">
+              <a:rPr lang="en-US" sz="900">
                 <a:solidFill>
                   <a:schemeClr val="bg1"/>
                 </a:solidFill>
@@ -5129,12 +5029,12 @@
           <a:graphicData uri="http://schemas.openxmlformats.org/presentationml/2006/ole">
             <mc:AlternateContent xmlns:mc="http://schemas.openxmlformats.org/markup-compatibility/2006">
               <mc:Choice xmlns:v="urn:schemas-microsoft-com:vml" Requires="v">
-                <p:oleObj spid="_x0000_s16395" name="Document" r:id="rId4" imgW="7313400" imgH="1766897" progId="Word.Document.12">
+                <p:oleObj spid="_x0000_s16396" name="Document" r:id="rId3" imgW="7313400" imgH="1766897" progId="Word.Document.12">
                   <p:embed/>
                 </p:oleObj>
               </mc:Choice>
               <mc:Fallback>
-                <p:oleObj name="Document" r:id="rId4" imgW="7313400" imgH="1766897" progId="Word.Document.12">
+                <p:oleObj name="Document" r:id="rId3" imgW="7313400" imgH="1766897" progId="Word.Document.12">
                   <p:embed/>
                   <p:pic>
                     <p:nvPicPr>
@@ -5143,7 +5043,7 @@
                       <p:nvPr/>
                     </p:nvPicPr>
                     <p:blipFill>
-                      <a:blip r:embed="rId5"/>
+                      <a:blip r:embed="rId4"/>
                       <a:stretch>
                         <a:fillRect/>
                       </a:stretch>
@@ -5174,13 +5074,6 @@
   <p:clrMapOvr>
     <a:masterClrMapping/>
   </p:clrMapOvr>
-  <p:timing>
-    <p:tnLst>
-      <p:par>
-        <p:cTn id="1" dur="indefinite" restart="never" nodeType="tmRoot"/>
-      </p:par>
-    </p:tnLst>
-  </p:timing>
 </p:sld>
 </file>
 
@@ -5247,7 +5140,7 @@
               <a:defRPr/>
             </a:pPr>
             <a:r>
-              <a:rPr lang="en-US" smtClean="0"/>
+              <a:rPr lang="en-US"/>
               <a:t>Murach's JavaScript and jQuery (3rd Ed.)</a:t>
             </a:r>
             <a:endParaRPr lang="en-US" dirty="0"/>
@@ -5273,39 +5166,38 @@
               <a:defRPr/>
             </a:pPr>
             <a:r>
-              <a:rPr lang="en-US" smtClean="0"/>
+              <a:rPr lang="en-US"/>
               <a:t>© 2017, Mike Murach &amp; Associates, Inc.</a:t>
             </a:r>
+          </a:p>
+        </p:txBody>
+      </p:sp>
+      <p:sp>
+        <p:nvSpPr>
+          <p:cNvPr id="5" name="Slide Number Placeholder 4"/>
+          <p:cNvSpPr>
+            <a:spLocks noGrp="1"/>
+          </p:cNvSpPr>
+          <p:nvPr>
+            <p:ph type="sldNum" sz="quarter" idx="12"/>
+          </p:nvPr>
+        </p:nvSpPr>
+        <p:spPr/>
+        <p:txBody>
+          <a:bodyPr/>
+          <a:lstStyle/>
+          <a:p>
+            <a:pPr>
+              <a:defRPr/>
+            </a:pPr>
             <a:endParaRPr lang="en-US"/>
           </a:p>
-        </p:txBody>
-      </p:sp>
-      <p:sp>
-        <p:nvSpPr>
-          <p:cNvPr id="5" name="Slide Number Placeholder 4"/>
-          <p:cNvSpPr>
-            <a:spLocks noGrp="1"/>
-          </p:cNvSpPr>
-          <p:nvPr>
-            <p:ph type="sldNum" sz="quarter" idx="12"/>
-          </p:nvPr>
-        </p:nvSpPr>
-        <p:spPr/>
-        <p:txBody>
-          <a:bodyPr/>
-          <a:lstStyle/>
-          <a:p>
-            <a:pPr>
-              <a:defRPr/>
-            </a:pPr>
-            <a:endParaRPr lang="en-US" smtClean="0"/>
-          </a:p>
           <a:p>
             <a:pPr algn="r">
               <a:defRPr/>
             </a:pPr>
             <a:r>
-              <a:rPr lang="en-US" sz="900" smtClean="0">
+              <a:rPr lang="en-US" sz="900">
                 <a:solidFill>
                   <a:schemeClr val="bg1"/>
                 </a:solidFill>
@@ -5356,12 +5248,12 @@
           <a:graphicData uri="http://schemas.openxmlformats.org/presentationml/2006/ole">
             <mc:AlternateContent xmlns:mc="http://schemas.openxmlformats.org/markup-compatibility/2006">
               <mc:Choice xmlns:v="urn:schemas-microsoft-com:vml" Requires="v">
-                <p:oleObj spid="_x0000_s17419" name="Document" r:id="rId4" imgW="7313400" imgH="3220782" progId="Word.Document.12">
+                <p:oleObj spid="_x0000_s17420" name="Document" r:id="rId3" imgW="7313400" imgH="3220782" progId="Word.Document.12">
                   <p:embed/>
                 </p:oleObj>
               </mc:Choice>
               <mc:Fallback>
-                <p:oleObj name="Document" r:id="rId4" imgW="7313400" imgH="3220782" progId="Word.Document.12">
+                <p:oleObj name="Document" r:id="rId3" imgW="7313400" imgH="3220782" progId="Word.Document.12">
                   <p:embed/>
                   <p:pic>
                     <p:nvPicPr>
@@ -5370,7 +5262,7 @@
                       <p:nvPr/>
                     </p:nvPicPr>
                     <p:blipFill>
-                      <a:blip r:embed="rId5"/>
+                      <a:blip r:embed="rId4"/>
                       <a:stretch>
                         <a:fillRect/>
                       </a:stretch>
@@ -5401,13 +5293,6 @@
   <p:clrMapOvr>
     <a:masterClrMapping/>
   </p:clrMapOvr>
-  <p:timing>
-    <p:tnLst>
-      <p:par>
-        <p:cTn id="1" dur="indefinite" restart="never" nodeType="tmRoot"/>
-      </p:par>
-    </p:tnLst>
-  </p:timing>
 </p:sld>
 </file>
 
@@ -5482,7 +5367,7 @@
               <a:defRPr/>
             </a:pPr>
             <a:r>
-              <a:rPr lang="en-US" smtClean="0"/>
+              <a:rPr lang="en-US"/>
               <a:t>Murach's JavaScript and jQuery (3rd Ed.)</a:t>
             </a:r>
             <a:endParaRPr lang="en-US" dirty="0"/>
@@ -5508,39 +5393,38 @@
               <a:defRPr/>
             </a:pPr>
             <a:r>
-              <a:rPr lang="en-US" smtClean="0"/>
+              <a:rPr lang="en-US"/>
               <a:t>© 2017, Mike Murach &amp; Associates, Inc.</a:t>
             </a:r>
+          </a:p>
+        </p:txBody>
+      </p:sp>
+      <p:sp>
+        <p:nvSpPr>
+          <p:cNvPr id="5" name="Slide Number Placeholder 4"/>
+          <p:cNvSpPr>
+            <a:spLocks noGrp="1"/>
+          </p:cNvSpPr>
+          <p:nvPr>
+            <p:ph type="sldNum" sz="quarter" idx="12"/>
+          </p:nvPr>
+        </p:nvSpPr>
+        <p:spPr/>
+        <p:txBody>
+          <a:bodyPr/>
+          <a:lstStyle/>
+          <a:p>
+            <a:pPr>
+              <a:defRPr/>
+            </a:pPr>
             <a:endParaRPr lang="en-US"/>
           </a:p>
-        </p:txBody>
-      </p:sp>
-      <p:sp>
-        <p:nvSpPr>
-          <p:cNvPr id="5" name="Slide Number Placeholder 4"/>
-          <p:cNvSpPr>
-            <a:spLocks noGrp="1"/>
-          </p:cNvSpPr>
-          <p:nvPr>
-            <p:ph type="sldNum" sz="quarter" idx="12"/>
-          </p:nvPr>
-        </p:nvSpPr>
-        <p:spPr/>
-        <p:txBody>
-          <a:bodyPr/>
-          <a:lstStyle/>
-          <a:p>
-            <a:pPr>
-              <a:defRPr/>
-            </a:pPr>
-            <a:endParaRPr lang="en-US" smtClean="0"/>
-          </a:p>
           <a:p>
             <a:pPr algn="r">
               <a:defRPr/>
             </a:pPr>
             <a:r>
-              <a:rPr lang="en-US" sz="900" smtClean="0">
+              <a:rPr lang="en-US" sz="900">
                 <a:solidFill>
                   <a:schemeClr val="bg1"/>
                 </a:solidFill>
@@ -5614,13 +5498,6 @@
   <p:clrMapOvr>
     <a:masterClrMapping/>
   </p:clrMapOvr>
-  <p:timing>
-    <p:tnLst>
-      <p:par>
-        <p:cTn id="1" dur="indefinite" restart="never" nodeType="tmRoot"/>
-      </p:par>
-    </p:tnLst>
-  </p:timing>
 </p:sld>
 </file>
 
@@ -5687,7 +5564,7 @@
               <a:defRPr/>
             </a:pPr>
             <a:r>
-              <a:rPr lang="en-US" smtClean="0"/>
+              <a:rPr lang="en-US"/>
               <a:t>Murach's JavaScript and jQuery (3rd Ed.)</a:t>
             </a:r>
             <a:endParaRPr lang="en-US" dirty="0"/>
@@ -5713,39 +5590,38 @@
               <a:defRPr/>
             </a:pPr>
             <a:r>
-              <a:rPr lang="en-US" smtClean="0"/>
+              <a:rPr lang="en-US"/>
               <a:t>© 2017, Mike Murach &amp; Associates, Inc.</a:t>
             </a:r>
+          </a:p>
+        </p:txBody>
+      </p:sp>
+      <p:sp>
+        <p:nvSpPr>
+          <p:cNvPr id="5" name="Slide Number Placeholder 4"/>
+          <p:cNvSpPr>
+            <a:spLocks noGrp="1"/>
+          </p:cNvSpPr>
+          <p:nvPr>
+            <p:ph type="sldNum" sz="quarter" idx="12"/>
+          </p:nvPr>
+        </p:nvSpPr>
+        <p:spPr/>
+        <p:txBody>
+          <a:bodyPr/>
+          <a:lstStyle/>
+          <a:p>
+            <a:pPr>
+              <a:defRPr/>
+            </a:pPr>
             <a:endParaRPr lang="en-US"/>
           </a:p>
-        </p:txBody>
-      </p:sp>
-      <p:sp>
-        <p:nvSpPr>
-          <p:cNvPr id="5" name="Slide Number Placeholder 4"/>
-          <p:cNvSpPr>
-            <a:spLocks noGrp="1"/>
-          </p:cNvSpPr>
-          <p:nvPr>
-            <p:ph type="sldNum" sz="quarter" idx="12"/>
-          </p:nvPr>
-        </p:nvSpPr>
-        <p:spPr/>
-        <p:txBody>
-          <a:bodyPr/>
-          <a:lstStyle/>
-          <a:p>
-            <a:pPr>
-              <a:defRPr/>
-            </a:pPr>
-            <a:endParaRPr lang="en-US" smtClean="0"/>
-          </a:p>
           <a:p>
             <a:pPr algn="r">
               <a:defRPr/>
             </a:pPr>
             <a:r>
-              <a:rPr lang="en-US" sz="900" smtClean="0">
+              <a:rPr lang="en-US" sz="900">
                 <a:solidFill>
                   <a:schemeClr val="bg1"/>
                 </a:solidFill>
@@ -5796,12 +5672,12 @@
           <a:graphicData uri="http://schemas.openxmlformats.org/presentationml/2006/ole">
             <mc:AlternateContent xmlns:mc="http://schemas.openxmlformats.org/markup-compatibility/2006">
               <mc:Choice xmlns:v="urn:schemas-microsoft-com:vml" Requires="v">
-                <p:oleObj spid="_x0000_s18443" name="Document" r:id="rId4" imgW="7313400" imgH="1545270" progId="Word.Document.12">
+                <p:oleObj spid="_x0000_s18444" name="Document" r:id="rId3" imgW="7313400" imgH="1545270" progId="Word.Document.12">
                   <p:embed/>
                 </p:oleObj>
               </mc:Choice>
               <mc:Fallback>
-                <p:oleObj name="Document" r:id="rId4" imgW="7313400" imgH="1545270" progId="Word.Document.12">
+                <p:oleObj name="Document" r:id="rId3" imgW="7313400" imgH="1545270" progId="Word.Document.12">
                   <p:embed/>
                   <p:pic>
                     <p:nvPicPr>
@@ -5810,7 +5686,7 @@
                       <p:nvPr/>
                     </p:nvPicPr>
                     <p:blipFill>
-                      <a:blip r:embed="rId5"/>
+                      <a:blip r:embed="rId4"/>
                       <a:stretch>
                         <a:fillRect/>
                       </a:stretch>
@@ -5841,13 +5717,6 @@
   <p:clrMapOvr>
     <a:masterClrMapping/>
   </p:clrMapOvr>
-  <p:timing>
-    <p:tnLst>
-      <p:par>
-        <p:cTn id="1" dur="indefinite" restart="never" nodeType="tmRoot"/>
-      </p:par>
-    </p:tnLst>
-  </p:timing>
 </p:sld>
 </file>
 
@@ -5921,7 +5790,7 @@
               <a:defRPr/>
             </a:pPr>
             <a:r>
-              <a:rPr lang="en-US" smtClean="0"/>
+              <a:rPr lang="en-US"/>
               <a:t>Murach's JavaScript and jQuery (3rd Ed.)</a:t>
             </a:r>
             <a:endParaRPr lang="en-US" dirty="0"/>
@@ -5947,39 +5816,38 @@
               <a:defRPr/>
             </a:pPr>
             <a:r>
-              <a:rPr lang="en-US" smtClean="0"/>
+              <a:rPr lang="en-US"/>
               <a:t>© 2017, Mike Murach &amp; Associates, Inc.</a:t>
             </a:r>
+          </a:p>
+        </p:txBody>
+      </p:sp>
+      <p:sp>
+        <p:nvSpPr>
+          <p:cNvPr id="5" name="Slide Number Placeholder 4"/>
+          <p:cNvSpPr>
+            <a:spLocks noGrp="1"/>
+          </p:cNvSpPr>
+          <p:nvPr>
+            <p:ph type="sldNum" sz="quarter" idx="12"/>
+          </p:nvPr>
+        </p:nvSpPr>
+        <p:spPr/>
+        <p:txBody>
+          <a:bodyPr/>
+          <a:lstStyle/>
+          <a:p>
+            <a:pPr>
+              <a:defRPr/>
+            </a:pPr>
             <a:endParaRPr lang="en-US"/>
           </a:p>
-        </p:txBody>
-      </p:sp>
-      <p:sp>
-        <p:nvSpPr>
-          <p:cNvPr id="5" name="Slide Number Placeholder 4"/>
-          <p:cNvSpPr>
-            <a:spLocks noGrp="1"/>
-          </p:cNvSpPr>
-          <p:nvPr>
-            <p:ph type="sldNum" sz="quarter" idx="12"/>
-          </p:nvPr>
-        </p:nvSpPr>
-        <p:spPr/>
-        <p:txBody>
-          <a:bodyPr/>
-          <a:lstStyle/>
-          <a:p>
-            <a:pPr>
-              <a:defRPr/>
-            </a:pPr>
-            <a:endParaRPr lang="en-US" smtClean="0"/>
-          </a:p>
           <a:p>
             <a:pPr algn="r">
               <a:defRPr/>
             </a:pPr>
             <a:r>
-              <a:rPr lang="en-US" sz="900" smtClean="0">
+              <a:rPr lang="en-US" sz="900">
                 <a:solidFill>
                   <a:schemeClr val="bg1"/>
                 </a:solidFill>
@@ -6053,13 +5921,6 @@
   <p:clrMapOvr>
     <a:masterClrMapping/>
   </p:clrMapOvr>
-  <p:timing>
-    <p:tnLst>
-      <p:par>
-        <p:cTn id="1" dur="indefinite" restart="never" nodeType="tmRoot"/>
-      </p:par>
-    </p:tnLst>
-  </p:timing>
 </p:sld>
 </file>
 
@@ -6126,7 +5987,7 @@
               <a:defRPr/>
             </a:pPr>
             <a:r>
-              <a:rPr lang="en-US" smtClean="0"/>
+              <a:rPr lang="en-US"/>
               <a:t>Murach's JavaScript and jQuery (3rd Ed.)</a:t>
             </a:r>
             <a:endParaRPr lang="en-US" dirty="0"/>
@@ -6152,39 +6013,38 @@
               <a:defRPr/>
             </a:pPr>
             <a:r>
-              <a:rPr lang="en-US" smtClean="0"/>
+              <a:rPr lang="en-US"/>
               <a:t>© 2017, Mike Murach &amp; Associates, Inc.</a:t>
             </a:r>
+          </a:p>
+        </p:txBody>
+      </p:sp>
+      <p:sp>
+        <p:nvSpPr>
+          <p:cNvPr id="5" name="Slide Number Placeholder 4"/>
+          <p:cNvSpPr>
+            <a:spLocks noGrp="1"/>
+          </p:cNvSpPr>
+          <p:nvPr>
+            <p:ph type="sldNum" sz="quarter" idx="12"/>
+          </p:nvPr>
+        </p:nvSpPr>
+        <p:spPr/>
+        <p:txBody>
+          <a:bodyPr/>
+          <a:lstStyle/>
+          <a:p>
+            <a:pPr>
+              <a:defRPr/>
+            </a:pPr>
             <a:endParaRPr lang="en-US"/>
           </a:p>
-        </p:txBody>
-      </p:sp>
-      <p:sp>
-        <p:nvSpPr>
-          <p:cNvPr id="5" name="Slide Number Placeholder 4"/>
-          <p:cNvSpPr>
-            <a:spLocks noGrp="1"/>
-          </p:cNvSpPr>
-          <p:nvPr>
-            <p:ph type="sldNum" sz="quarter" idx="12"/>
-          </p:nvPr>
-        </p:nvSpPr>
-        <p:spPr/>
-        <p:txBody>
-          <a:bodyPr/>
-          <a:lstStyle/>
-          <a:p>
-            <a:pPr>
-              <a:defRPr/>
-            </a:pPr>
-            <a:endParaRPr lang="en-US" smtClean="0"/>
-          </a:p>
           <a:p>
             <a:pPr algn="r">
               <a:defRPr/>
             </a:pPr>
             <a:r>
-              <a:rPr lang="en-US" sz="900" smtClean="0">
+              <a:rPr lang="en-US" sz="900">
                 <a:solidFill>
                   <a:schemeClr val="bg1"/>
                 </a:solidFill>
@@ -6235,12 +6095,12 @@
           <a:graphicData uri="http://schemas.openxmlformats.org/presentationml/2006/ole">
             <mc:AlternateContent xmlns:mc="http://schemas.openxmlformats.org/markup-compatibility/2006">
               <mc:Choice xmlns:v="urn:schemas-microsoft-com:vml" Requires="v">
-                <p:oleObj spid="_x0000_s19467" name="Document" r:id="rId4" imgW="7313400" imgH="3363256" progId="Word.Document.12">
+                <p:oleObj spid="_x0000_s19468" name="Document" r:id="rId3" imgW="7313400" imgH="3363256" progId="Word.Document.12">
                   <p:embed/>
                 </p:oleObj>
               </mc:Choice>
               <mc:Fallback>
-                <p:oleObj name="Document" r:id="rId4" imgW="7313400" imgH="3363256" progId="Word.Document.12">
+                <p:oleObj name="Document" r:id="rId3" imgW="7313400" imgH="3363256" progId="Word.Document.12">
                   <p:embed/>
                   <p:pic>
                     <p:nvPicPr>
@@ -6249,7 +6109,7 @@
                       <p:nvPr/>
                     </p:nvPicPr>
                     <p:blipFill>
-                      <a:blip r:embed="rId5"/>
+                      <a:blip r:embed="rId4"/>
                       <a:stretch>
                         <a:fillRect/>
                       </a:stretch>
@@ -6280,13 +6140,6 @@
   <p:clrMapOvr>
     <a:masterClrMapping/>
   </p:clrMapOvr>
-  <p:timing>
-    <p:tnLst>
-      <p:par>
-        <p:cTn id="1" dur="indefinite" restart="never" nodeType="tmRoot"/>
-      </p:par>
-    </p:tnLst>
-  </p:timing>
 </p:sld>
 </file>
 
@@ -6360,7 +6213,7 @@
               <a:defRPr/>
             </a:pPr>
             <a:r>
-              <a:rPr lang="en-US" smtClean="0"/>
+              <a:rPr lang="en-US"/>
               <a:t>Murach's JavaScript and jQuery (3rd Ed.)</a:t>
             </a:r>
             <a:endParaRPr lang="en-US" dirty="0"/>
@@ -6386,39 +6239,38 @@
               <a:defRPr/>
             </a:pPr>
             <a:r>
-              <a:rPr lang="en-US" smtClean="0"/>
+              <a:rPr lang="en-US"/>
               <a:t>© 2017, Mike Murach &amp; Associates, Inc.</a:t>
             </a:r>
+          </a:p>
+        </p:txBody>
+      </p:sp>
+      <p:sp>
+        <p:nvSpPr>
+          <p:cNvPr id="5" name="Slide Number Placeholder 4"/>
+          <p:cNvSpPr>
+            <a:spLocks noGrp="1"/>
+          </p:cNvSpPr>
+          <p:nvPr>
+            <p:ph type="sldNum" sz="quarter" idx="12"/>
+          </p:nvPr>
+        </p:nvSpPr>
+        <p:spPr/>
+        <p:txBody>
+          <a:bodyPr/>
+          <a:lstStyle/>
+          <a:p>
+            <a:pPr>
+              <a:defRPr/>
+            </a:pPr>
             <a:endParaRPr lang="en-US"/>
           </a:p>
-        </p:txBody>
-      </p:sp>
-      <p:sp>
-        <p:nvSpPr>
-          <p:cNvPr id="5" name="Slide Number Placeholder 4"/>
-          <p:cNvSpPr>
-            <a:spLocks noGrp="1"/>
-          </p:cNvSpPr>
-          <p:nvPr>
-            <p:ph type="sldNum" sz="quarter" idx="12"/>
-          </p:nvPr>
-        </p:nvSpPr>
-        <p:spPr/>
-        <p:txBody>
-          <a:bodyPr/>
-          <a:lstStyle/>
-          <a:p>
-            <a:pPr>
-              <a:defRPr/>
-            </a:pPr>
-            <a:endParaRPr lang="en-US" smtClean="0"/>
-          </a:p>
           <a:p>
             <a:pPr algn="r">
               <a:defRPr/>
             </a:pPr>
             <a:r>
-              <a:rPr lang="en-US" sz="900" smtClean="0">
+              <a:rPr lang="en-US" sz="900">
                 <a:solidFill>
                   <a:schemeClr val="bg1"/>
                 </a:solidFill>
@@ -6469,12 +6321,12 @@
           <a:graphicData uri="http://schemas.openxmlformats.org/presentationml/2006/ole">
             <mc:AlternateContent xmlns:mc="http://schemas.openxmlformats.org/markup-compatibility/2006">
               <mc:Choice xmlns:v="urn:schemas-microsoft-com:vml" Requires="v">
-                <p:oleObj spid="_x0000_s20491" name="Document" r:id="rId4" imgW="7313400" imgH="2760619" progId="Word.Document.12">
+                <p:oleObj spid="_x0000_s20492" name="Document" r:id="rId3" imgW="7313400" imgH="2760619" progId="Word.Document.12">
                   <p:embed/>
                 </p:oleObj>
               </mc:Choice>
               <mc:Fallback>
-                <p:oleObj name="Document" r:id="rId4" imgW="7313400" imgH="2760619" progId="Word.Document.12">
+                <p:oleObj name="Document" r:id="rId3" imgW="7313400" imgH="2760619" progId="Word.Document.12">
                   <p:embed/>
                   <p:pic>
                     <p:nvPicPr>
@@ -6483,7 +6335,7 @@
                       <p:nvPr/>
                     </p:nvPicPr>
                     <p:blipFill>
-                      <a:blip r:embed="rId5"/>
+                      <a:blip r:embed="rId4"/>
                       <a:stretch>
                         <a:fillRect/>
                       </a:stretch>
@@ -6514,13 +6366,6 @@
   <p:clrMapOvr>
     <a:masterClrMapping/>
   </p:clrMapOvr>
-  <p:timing>
-    <p:tnLst>
-      <p:par>
-        <p:cTn id="1" dur="indefinite" restart="never" nodeType="tmRoot"/>
-      </p:par>
-    </p:tnLst>
-  </p:timing>
 </p:sld>
 </file>
 
@@ -6587,7 +6432,7 @@
               <a:defRPr/>
             </a:pPr>
             <a:r>
-              <a:rPr lang="en-US" smtClean="0"/>
+              <a:rPr lang="en-US"/>
               <a:t>Murach's JavaScript and jQuery (3rd Ed.)</a:t>
             </a:r>
             <a:endParaRPr lang="en-US" dirty="0"/>
@@ -6613,39 +6458,38 @@
               <a:defRPr/>
             </a:pPr>
             <a:r>
-              <a:rPr lang="en-US" smtClean="0"/>
+              <a:rPr lang="en-US"/>
               <a:t>© 2017, Mike Murach &amp; Associates, Inc.</a:t>
             </a:r>
+          </a:p>
+        </p:txBody>
+      </p:sp>
+      <p:sp>
+        <p:nvSpPr>
+          <p:cNvPr id="5" name="Slide Number Placeholder 4"/>
+          <p:cNvSpPr>
+            <a:spLocks noGrp="1"/>
+          </p:cNvSpPr>
+          <p:nvPr>
+            <p:ph type="sldNum" sz="quarter" idx="12"/>
+          </p:nvPr>
+        </p:nvSpPr>
+        <p:spPr/>
+        <p:txBody>
+          <a:bodyPr/>
+          <a:lstStyle/>
+          <a:p>
+            <a:pPr>
+              <a:defRPr/>
+            </a:pPr>
             <a:endParaRPr lang="en-US"/>
           </a:p>
-        </p:txBody>
-      </p:sp>
-      <p:sp>
-        <p:nvSpPr>
-          <p:cNvPr id="5" name="Slide Number Placeholder 4"/>
-          <p:cNvSpPr>
-            <a:spLocks noGrp="1"/>
-          </p:cNvSpPr>
-          <p:nvPr>
-            <p:ph type="sldNum" sz="quarter" idx="12"/>
-          </p:nvPr>
-        </p:nvSpPr>
-        <p:spPr/>
-        <p:txBody>
-          <a:bodyPr/>
-          <a:lstStyle/>
-          <a:p>
-            <a:pPr>
-              <a:defRPr/>
-            </a:pPr>
-            <a:endParaRPr lang="en-US" smtClean="0"/>
-          </a:p>
           <a:p>
             <a:pPr algn="r">
               <a:defRPr/>
             </a:pPr>
             <a:r>
-              <a:rPr lang="en-US" sz="900" smtClean="0">
+              <a:rPr lang="en-US" sz="900">
                 <a:solidFill>
                   <a:schemeClr val="bg1"/>
                 </a:solidFill>
@@ -6719,13 +6563,6 @@
   <p:clrMapOvr>
     <a:masterClrMapping/>
   </p:clrMapOvr>
-  <p:timing>
-    <p:tnLst>
-      <p:par>
-        <p:cTn id="1" dur="indefinite" restart="never" nodeType="tmRoot"/>
-      </p:par>
-    </p:tnLst>
-  </p:timing>
 </p:sld>
 </file>
 
@@ -6792,7 +6629,7 @@
               <a:defRPr/>
             </a:pPr>
             <a:r>
-              <a:rPr lang="en-US" smtClean="0"/>
+              <a:rPr lang="en-US"/>
               <a:t>Murach's JavaScript and jQuery (3rd Ed.)</a:t>
             </a:r>
             <a:endParaRPr lang="en-US" dirty="0"/>
@@ -6818,39 +6655,38 @@
               <a:defRPr/>
             </a:pPr>
             <a:r>
-              <a:rPr lang="en-US" smtClean="0"/>
+              <a:rPr lang="en-US"/>
               <a:t>© 2017, Mike Murach &amp; Associates, Inc.</a:t>
             </a:r>
+          </a:p>
+        </p:txBody>
+      </p:sp>
+      <p:sp>
+        <p:nvSpPr>
+          <p:cNvPr id="5" name="Slide Number Placeholder 4"/>
+          <p:cNvSpPr>
+            <a:spLocks noGrp="1"/>
+          </p:cNvSpPr>
+          <p:nvPr>
+            <p:ph type="sldNum" sz="quarter" idx="12"/>
+          </p:nvPr>
+        </p:nvSpPr>
+        <p:spPr/>
+        <p:txBody>
+          <a:bodyPr/>
+          <a:lstStyle/>
+          <a:p>
+            <a:pPr>
+              <a:defRPr/>
+            </a:pPr>
             <a:endParaRPr lang="en-US"/>
           </a:p>
-        </p:txBody>
-      </p:sp>
-      <p:sp>
-        <p:nvSpPr>
-          <p:cNvPr id="5" name="Slide Number Placeholder 4"/>
-          <p:cNvSpPr>
-            <a:spLocks noGrp="1"/>
-          </p:cNvSpPr>
-          <p:nvPr>
-            <p:ph type="sldNum" sz="quarter" idx="12"/>
-          </p:nvPr>
-        </p:nvSpPr>
-        <p:spPr/>
-        <p:txBody>
-          <a:bodyPr/>
-          <a:lstStyle/>
-          <a:p>
-            <a:pPr>
-              <a:defRPr/>
-            </a:pPr>
-            <a:endParaRPr lang="en-US" smtClean="0"/>
-          </a:p>
           <a:p>
             <a:pPr algn="r">
               <a:defRPr/>
             </a:pPr>
             <a:r>
-              <a:rPr lang="en-US" sz="900" smtClean="0">
+              <a:rPr lang="en-US" sz="900">
                 <a:solidFill>
                   <a:schemeClr val="bg1"/>
                 </a:solidFill>
@@ -6901,12 +6737,12 @@
           <a:graphicData uri="http://schemas.openxmlformats.org/presentationml/2006/ole">
             <mc:AlternateContent xmlns:mc="http://schemas.openxmlformats.org/markup-compatibility/2006">
               <mc:Choice xmlns:v="urn:schemas-microsoft-com:vml" Requires="v">
-                <p:oleObj spid="_x0000_s21515" name="Document" r:id="rId4" imgW="7313400" imgH="2326360" progId="Word.Document.12">
+                <p:oleObj spid="_x0000_s21516" name="Document" r:id="rId3" imgW="7313400" imgH="2326360" progId="Word.Document.12">
                   <p:embed/>
                 </p:oleObj>
               </mc:Choice>
               <mc:Fallback>
-                <p:oleObj name="Document" r:id="rId4" imgW="7313400" imgH="2326360" progId="Word.Document.12">
+                <p:oleObj name="Document" r:id="rId3" imgW="7313400" imgH="2326360" progId="Word.Document.12">
                   <p:embed/>
                   <p:pic>
                     <p:nvPicPr>
@@ -6915,7 +6751,7 @@
                       <p:nvPr/>
                     </p:nvPicPr>
                     <p:blipFill>
-                      <a:blip r:embed="rId5"/>
+                      <a:blip r:embed="rId4"/>
                       <a:stretch>
                         <a:fillRect/>
                       </a:stretch>
@@ -6946,13 +6782,6 @@
   <p:clrMapOvr>
     <a:masterClrMapping/>
   </p:clrMapOvr>
-  <p:timing>
-    <p:tnLst>
-      <p:par>
-        <p:cTn id="1" dur="indefinite" restart="never" nodeType="tmRoot"/>
-      </p:par>
-    </p:tnLst>
-  </p:timing>
 </p:sld>
 </file>
 
@@ -7019,7 +6848,7 @@
               <a:defRPr/>
             </a:pPr>
             <a:r>
-              <a:rPr lang="en-US" smtClean="0"/>
+              <a:rPr lang="en-US"/>
               <a:t>Murach's JavaScript and jQuery (3rd Ed.)</a:t>
             </a:r>
             <a:endParaRPr lang="en-US" dirty="0"/>
@@ -7045,39 +6874,38 @@
               <a:defRPr/>
             </a:pPr>
             <a:r>
-              <a:rPr lang="en-US" smtClean="0"/>
+              <a:rPr lang="en-US"/>
               <a:t>© 2017, Mike Murach &amp; Associates, Inc.</a:t>
             </a:r>
+          </a:p>
+        </p:txBody>
+      </p:sp>
+      <p:sp>
+        <p:nvSpPr>
+          <p:cNvPr id="5" name="Slide Number Placeholder 4"/>
+          <p:cNvSpPr>
+            <a:spLocks noGrp="1"/>
+          </p:cNvSpPr>
+          <p:nvPr>
+            <p:ph type="sldNum" sz="quarter" idx="12"/>
+          </p:nvPr>
+        </p:nvSpPr>
+        <p:spPr/>
+        <p:txBody>
+          <a:bodyPr/>
+          <a:lstStyle/>
+          <a:p>
+            <a:pPr>
+              <a:defRPr/>
+            </a:pPr>
             <a:endParaRPr lang="en-US"/>
           </a:p>
-        </p:txBody>
-      </p:sp>
-      <p:sp>
-        <p:nvSpPr>
-          <p:cNvPr id="5" name="Slide Number Placeholder 4"/>
-          <p:cNvSpPr>
-            <a:spLocks noGrp="1"/>
-          </p:cNvSpPr>
-          <p:nvPr>
-            <p:ph type="sldNum" sz="quarter" idx="12"/>
-          </p:nvPr>
-        </p:nvSpPr>
-        <p:spPr/>
-        <p:txBody>
-          <a:bodyPr/>
-          <a:lstStyle/>
-          <a:p>
-            <a:pPr>
-              <a:defRPr/>
-            </a:pPr>
-            <a:endParaRPr lang="en-US" smtClean="0"/>
-          </a:p>
           <a:p>
             <a:pPr algn="r">
               <a:defRPr/>
             </a:pPr>
             <a:r>
-              <a:rPr lang="en-US" sz="900" smtClean="0">
+              <a:rPr lang="en-US" sz="900">
                 <a:solidFill>
                   <a:schemeClr val="bg1"/>
                 </a:solidFill>
@@ -7151,13 +6979,6 @@
   <p:clrMapOvr>
     <a:masterClrMapping/>
   </p:clrMapOvr>
-  <p:timing>
-    <p:tnLst>
-      <p:par>
-        <p:cTn id="1" dur="indefinite" restart="never" nodeType="tmRoot"/>
-      </p:par>
-    </p:tnLst>
-  </p:timing>
 </p:sld>
 </file>
 
@@ -7224,7 +7045,7 @@
               <a:defRPr/>
             </a:pPr>
             <a:r>
-              <a:rPr lang="en-US" smtClean="0"/>
+              <a:rPr lang="en-US"/>
               <a:t>Murach's JavaScript and jQuery (3rd Ed.)</a:t>
             </a:r>
             <a:endParaRPr lang="en-US" dirty="0"/>
@@ -7250,39 +7071,38 @@
               <a:defRPr/>
             </a:pPr>
             <a:r>
-              <a:rPr lang="en-US" smtClean="0"/>
+              <a:rPr lang="en-US"/>
               <a:t>© 2017, Mike Murach &amp; Associates, Inc.</a:t>
             </a:r>
+          </a:p>
+        </p:txBody>
+      </p:sp>
+      <p:sp>
+        <p:nvSpPr>
+          <p:cNvPr id="5" name="Slide Number Placeholder 4"/>
+          <p:cNvSpPr>
+            <a:spLocks noGrp="1"/>
+          </p:cNvSpPr>
+          <p:nvPr>
+            <p:ph type="sldNum" sz="quarter" idx="12"/>
+          </p:nvPr>
+        </p:nvSpPr>
+        <p:spPr/>
+        <p:txBody>
+          <a:bodyPr/>
+          <a:lstStyle/>
+          <a:p>
+            <a:pPr>
+              <a:defRPr/>
+            </a:pPr>
             <a:endParaRPr lang="en-US"/>
           </a:p>
-        </p:txBody>
-      </p:sp>
-      <p:sp>
-        <p:nvSpPr>
-          <p:cNvPr id="5" name="Slide Number Placeholder 4"/>
-          <p:cNvSpPr>
-            <a:spLocks noGrp="1"/>
-          </p:cNvSpPr>
-          <p:nvPr>
-            <p:ph type="sldNum" sz="quarter" idx="12"/>
-          </p:nvPr>
-        </p:nvSpPr>
-        <p:spPr/>
-        <p:txBody>
-          <a:bodyPr/>
-          <a:lstStyle/>
-          <a:p>
-            <a:pPr>
-              <a:defRPr/>
-            </a:pPr>
-            <a:endParaRPr lang="en-US" smtClean="0"/>
-          </a:p>
           <a:p>
             <a:pPr algn="r">
               <a:defRPr/>
             </a:pPr>
             <a:r>
-              <a:rPr lang="en-US" sz="900" smtClean="0">
+              <a:rPr lang="en-US" sz="900">
                 <a:solidFill>
                   <a:schemeClr val="bg1"/>
                 </a:solidFill>
@@ -7333,12 +7153,12 @@
           <a:graphicData uri="http://schemas.openxmlformats.org/presentationml/2006/ole">
             <mc:AlternateContent xmlns:mc="http://schemas.openxmlformats.org/markup-compatibility/2006">
               <mc:Choice xmlns:v="urn:schemas-microsoft-com:vml" Requires="v">
-                <p:oleObj spid="_x0000_s3083" name="Document" r:id="rId4" imgW="7313400" imgH="1611830" progId="Word.Document.12">
+                <p:oleObj spid="_x0000_s3084" name="Document" r:id="rId3" imgW="7313400" imgH="1611830" progId="Word.Document.12">
                   <p:embed/>
                 </p:oleObj>
               </mc:Choice>
               <mc:Fallback>
-                <p:oleObj name="Document" r:id="rId4" imgW="7313400" imgH="1611830" progId="Word.Document.12">
+                <p:oleObj name="Document" r:id="rId3" imgW="7313400" imgH="1611830" progId="Word.Document.12">
                   <p:embed/>
                   <p:pic>
                     <p:nvPicPr>
@@ -7347,7 +7167,7 @@
                       <p:nvPr/>
                     </p:nvPicPr>
                     <p:blipFill>
-                      <a:blip r:embed="rId5"/>
+                      <a:blip r:embed="rId4"/>
                       <a:stretch>
                         <a:fillRect/>
                       </a:stretch>
@@ -7378,13 +7198,6 @@
   <p:clrMapOvr>
     <a:masterClrMapping/>
   </p:clrMapOvr>
-  <p:timing>
-    <p:tnLst>
-      <p:par>
-        <p:cTn id="1" dur="indefinite" restart="never" nodeType="tmRoot"/>
-      </p:par>
-    </p:tnLst>
-  </p:timing>
 </p:sld>
 </file>
 
@@ -7451,7 +7264,7 @@
               <a:defRPr/>
             </a:pPr>
             <a:r>
-              <a:rPr lang="en-US" smtClean="0"/>
+              <a:rPr lang="en-US"/>
               <a:t>Murach's JavaScript and jQuery (3rd Ed.)</a:t>
             </a:r>
             <a:endParaRPr lang="en-US" dirty="0"/>
@@ -7477,39 +7290,38 @@
               <a:defRPr/>
             </a:pPr>
             <a:r>
-              <a:rPr lang="en-US" smtClean="0"/>
+              <a:rPr lang="en-US"/>
               <a:t>© 2017, Mike Murach &amp; Associates, Inc.</a:t>
             </a:r>
+          </a:p>
+        </p:txBody>
+      </p:sp>
+      <p:sp>
+        <p:nvSpPr>
+          <p:cNvPr id="5" name="Slide Number Placeholder 4"/>
+          <p:cNvSpPr>
+            <a:spLocks noGrp="1"/>
+          </p:cNvSpPr>
+          <p:nvPr>
+            <p:ph type="sldNum" sz="quarter" idx="12"/>
+          </p:nvPr>
+        </p:nvSpPr>
+        <p:spPr/>
+        <p:txBody>
+          <a:bodyPr/>
+          <a:lstStyle/>
+          <a:p>
+            <a:pPr>
+              <a:defRPr/>
+            </a:pPr>
             <a:endParaRPr lang="en-US"/>
           </a:p>
-        </p:txBody>
-      </p:sp>
-      <p:sp>
-        <p:nvSpPr>
-          <p:cNvPr id="5" name="Slide Number Placeholder 4"/>
-          <p:cNvSpPr>
-            <a:spLocks noGrp="1"/>
-          </p:cNvSpPr>
-          <p:nvPr>
-            <p:ph type="sldNum" sz="quarter" idx="12"/>
-          </p:nvPr>
-        </p:nvSpPr>
-        <p:spPr/>
-        <p:txBody>
-          <a:bodyPr/>
-          <a:lstStyle/>
-          <a:p>
-            <a:pPr>
-              <a:defRPr/>
-            </a:pPr>
-            <a:endParaRPr lang="en-US" smtClean="0"/>
-          </a:p>
           <a:p>
             <a:pPr algn="r">
               <a:defRPr/>
             </a:pPr>
             <a:r>
-              <a:rPr lang="en-US" sz="900" smtClean="0">
+              <a:rPr lang="en-US" sz="900">
                 <a:solidFill>
                   <a:schemeClr val="bg1"/>
                 </a:solidFill>
@@ -7560,12 +7372,12 @@
           <a:graphicData uri="http://schemas.openxmlformats.org/presentationml/2006/ole">
             <mc:AlternateContent xmlns:mc="http://schemas.openxmlformats.org/markup-compatibility/2006">
               <mc:Choice xmlns:v="urn:schemas-microsoft-com:vml" Requires="v">
-                <p:oleObj spid="_x0000_s22539" name="Document" r:id="rId4" imgW="7313400" imgH="1150228" progId="Word.Document.12">
+                <p:oleObj spid="_x0000_s22540" name="Document" r:id="rId3" imgW="7313400" imgH="1150228" progId="Word.Document.12">
                   <p:embed/>
                 </p:oleObj>
               </mc:Choice>
               <mc:Fallback>
-                <p:oleObj name="Document" r:id="rId4" imgW="7313400" imgH="1150228" progId="Word.Document.12">
+                <p:oleObj name="Document" r:id="rId3" imgW="7313400" imgH="1150228" progId="Word.Document.12">
                   <p:embed/>
                   <p:pic>
                     <p:nvPicPr>
@@ -7574,7 +7386,7 @@
                       <p:nvPr/>
                     </p:nvPicPr>
                     <p:blipFill>
-                      <a:blip r:embed="rId5"/>
+                      <a:blip r:embed="rId4"/>
                       <a:stretch>
                         <a:fillRect/>
                       </a:stretch>
@@ -7605,13 +7417,6 @@
   <p:clrMapOvr>
     <a:masterClrMapping/>
   </p:clrMapOvr>
-  <p:timing>
-    <p:tnLst>
-      <p:par>
-        <p:cTn id="1" dur="indefinite" restart="never" nodeType="tmRoot"/>
-      </p:par>
-    </p:tnLst>
-  </p:timing>
 </p:sld>
 </file>
 
@@ -7678,7 +7483,7 @@
               <a:defRPr/>
             </a:pPr>
             <a:r>
-              <a:rPr lang="en-US" smtClean="0"/>
+              <a:rPr lang="en-US"/>
               <a:t>Murach's JavaScript and jQuery (3rd Ed.)</a:t>
             </a:r>
             <a:endParaRPr lang="en-US" dirty="0"/>
@@ -7704,39 +7509,38 @@
               <a:defRPr/>
             </a:pPr>
             <a:r>
-              <a:rPr lang="en-US" smtClean="0"/>
+              <a:rPr lang="en-US"/>
               <a:t>© 2017, Mike Murach &amp; Associates, Inc.</a:t>
             </a:r>
+          </a:p>
+        </p:txBody>
+      </p:sp>
+      <p:sp>
+        <p:nvSpPr>
+          <p:cNvPr id="5" name="Slide Number Placeholder 4"/>
+          <p:cNvSpPr>
+            <a:spLocks noGrp="1"/>
+          </p:cNvSpPr>
+          <p:nvPr>
+            <p:ph type="sldNum" sz="quarter" idx="12"/>
+          </p:nvPr>
+        </p:nvSpPr>
+        <p:spPr/>
+        <p:txBody>
+          <a:bodyPr/>
+          <a:lstStyle/>
+          <a:p>
+            <a:pPr>
+              <a:defRPr/>
+            </a:pPr>
             <a:endParaRPr lang="en-US"/>
           </a:p>
-        </p:txBody>
-      </p:sp>
-      <p:sp>
-        <p:nvSpPr>
-          <p:cNvPr id="5" name="Slide Number Placeholder 4"/>
-          <p:cNvSpPr>
-            <a:spLocks noGrp="1"/>
-          </p:cNvSpPr>
-          <p:nvPr>
-            <p:ph type="sldNum" sz="quarter" idx="12"/>
-          </p:nvPr>
-        </p:nvSpPr>
-        <p:spPr/>
-        <p:txBody>
-          <a:bodyPr/>
-          <a:lstStyle/>
-          <a:p>
-            <a:pPr>
-              <a:defRPr/>
-            </a:pPr>
-            <a:endParaRPr lang="en-US" smtClean="0"/>
-          </a:p>
           <a:p>
             <a:pPr algn="r">
               <a:defRPr/>
             </a:pPr>
             <a:r>
-              <a:rPr lang="en-US" sz="900" smtClean="0">
+              <a:rPr lang="en-US" sz="900">
                 <a:solidFill>
                   <a:schemeClr val="bg1"/>
                 </a:solidFill>
@@ -7810,13 +7614,6 @@
   <p:clrMapOvr>
     <a:masterClrMapping/>
   </p:clrMapOvr>
-  <p:timing>
-    <p:tnLst>
-      <p:par>
-        <p:cTn id="1" dur="indefinite" restart="never" nodeType="tmRoot"/>
-      </p:par>
-    </p:tnLst>
-  </p:timing>
 </p:sld>
 </file>
 
@@ -7883,7 +7680,7 @@
               <a:defRPr/>
             </a:pPr>
             <a:r>
-              <a:rPr lang="en-US" smtClean="0"/>
+              <a:rPr lang="en-US"/>
               <a:t>Murach's JavaScript and jQuery (3rd Ed.)</a:t>
             </a:r>
             <a:endParaRPr lang="en-US" dirty="0"/>
@@ -7909,39 +7706,38 @@
               <a:defRPr/>
             </a:pPr>
             <a:r>
-              <a:rPr lang="en-US" smtClean="0"/>
+              <a:rPr lang="en-US"/>
               <a:t>© 2017, Mike Murach &amp; Associates, Inc.</a:t>
             </a:r>
+          </a:p>
+        </p:txBody>
+      </p:sp>
+      <p:sp>
+        <p:nvSpPr>
+          <p:cNvPr id="5" name="Slide Number Placeholder 4"/>
+          <p:cNvSpPr>
+            <a:spLocks noGrp="1"/>
+          </p:cNvSpPr>
+          <p:nvPr>
+            <p:ph type="sldNum" sz="quarter" idx="12"/>
+          </p:nvPr>
+        </p:nvSpPr>
+        <p:spPr/>
+        <p:txBody>
+          <a:bodyPr/>
+          <a:lstStyle/>
+          <a:p>
+            <a:pPr>
+              <a:defRPr/>
+            </a:pPr>
             <a:endParaRPr lang="en-US"/>
           </a:p>
-        </p:txBody>
-      </p:sp>
-      <p:sp>
-        <p:nvSpPr>
-          <p:cNvPr id="5" name="Slide Number Placeholder 4"/>
-          <p:cNvSpPr>
-            <a:spLocks noGrp="1"/>
-          </p:cNvSpPr>
-          <p:nvPr>
-            <p:ph type="sldNum" sz="quarter" idx="12"/>
-          </p:nvPr>
-        </p:nvSpPr>
-        <p:spPr/>
-        <p:txBody>
-          <a:bodyPr/>
-          <a:lstStyle/>
-          <a:p>
-            <a:pPr>
-              <a:defRPr/>
-            </a:pPr>
-            <a:endParaRPr lang="en-US" smtClean="0"/>
-          </a:p>
           <a:p>
             <a:pPr algn="r">
               <a:defRPr/>
             </a:pPr>
             <a:r>
-              <a:rPr lang="en-US" sz="900" smtClean="0">
+              <a:rPr lang="en-US" sz="900">
                 <a:solidFill>
                   <a:schemeClr val="bg1"/>
                 </a:solidFill>
@@ -7992,12 +7788,12 @@
           <a:graphicData uri="http://schemas.openxmlformats.org/presentationml/2006/ole">
             <mc:AlternateContent xmlns:mc="http://schemas.openxmlformats.org/markup-compatibility/2006">
               <mc:Choice xmlns:v="urn:schemas-microsoft-com:vml" Requires="v">
-                <p:oleObj spid="_x0000_s23562" name="Document" r:id="rId4" imgW="7313400" imgH="2530717" progId="Word.Document.12">
+                <p:oleObj spid="_x0000_s23563" name="Document" r:id="rId3" imgW="7313400" imgH="2530717" progId="Word.Document.12">
                   <p:embed/>
                 </p:oleObj>
               </mc:Choice>
               <mc:Fallback>
-                <p:oleObj name="Document" r:id="rId4" imgW="7313400" imgH="2530717" progId="Word.Document.12">
+                <p:oleObj name="Document" r:id="rId3" imgW="7313400" imgH="2530717" progId="Word.Document.12">
                   <p:embed/>
                   <p:pic>
                     <p:nvPicPr>
@@ -8006,7 +7802,7 @@
                       <p:nvPr/>
                     </p:nvPicPr>
                     <p:blipFill>
-                      <a:blip r:embed="rId5"/>
+                      <a:blip r:embed="rId4"/>
                       <a:stretch>
                         <a:fillRect/>
                       </a:stretch>
@@ -8037,13 +7833,6 @@
   <p:clrMapOvr>
     <a:masterClrMapping/>
   </p:clrMapOvr>
-  <p:timing>
-    <p:tnLst>
-      <p:par>
-        <p:cTn id="1" dur="indefinite" restart="never" nodeType="tmRoot"/>
-      </p:par>
-    </p:tnLst>
-  </p:timing>
 </p:sld>
 </file>
 
@@ -8110,7 +7899,7 @@
               <a:defRPr/>
             </a:pPr>
             <a:r>
-              <a:rPr lang="en-US" smtClean="0"/>
+              <a:rPr lang="en-US"/>
               <a:t>Murach's JavaScript and jQuery (3rd Ed.)</a:t>
             </a:r>
             <a:endParaRPr lang="en-US" dirty="0"/>
@@ -8136,39 +7925,38 @@
               <a:defRPr/>
             </a:pPr>
             <a:r>
-              <a:rPr lang="en-US" smtClean="0"/>
+              <a:rPr lang="en-US"/>
               <a:t>© 2017, Mike Murach &amp; Associates, Inc.</a:t>
             </a:r>
+          </a:p>
+        </p:txBody>
+      </p:sp>
+      <p:sp>
+        <p:nvSpPr>
+          <p:cNvPr id="5" name="Slide Number Placeholder 4"/>
+          <p:cNvSpPr>
+            <a:spLocks noGrp="1"/>
+          </p:cNvSpPr>
+          <p:nvPr>
+            <p:ph type="sldNum" sz="quarter" idx="12"/>
+          </p:nvPr>
+        </p:nvSpPr>
+        <p:spPr/>
+        <p:txBody>
+          <a:bodyPr/>
+          <a:lstStyle/>
+          <a:p>
+            <a:pPr>
+              <a:defRPr/>
+            </a:pPr>
             <a:endParaRPr lang="en-US"/>
           </a:p>
-        </p:txBody>
-      </p:sp>
-      <p:sp>
-        <p:nvSpPr>
-          <p:cNvPr id="5" name="Slide Number Placeholder 4"/>
-          <p:cNvSpPr>
-            <a:spLocks noGrp="1"/>
-          </p:cNvSpPr>
-          <p:nvPr>
-            <p:ph type="sldNum" sz="quarter" idx="12"/>
-          </p:nvPr>
-        </p:nvSpPr>
-        <p:spPr/>
-        <p:txBody>
-          <a:bodyPr/>
-          <a:lstStyle/>
-          <a:p>
-            <a:pPr>
-              <a:defRPr/>
-            </a:pPr>
-            <a:endParaRPr lang="en-US" smtClean="0"/>
-          </a:p>
           <a:p>
             <a:pPr algn="r">
               <a:defRPr/>
             </a:pPr>
             <a:r>
-              <a:rPr lang="en-US" sz="900" smtClean="0">
+              <a:rPr lang="en-US" sz="900">
                 <a:solidFill>
                   <a:schemeClr val="bg1"/>
                 </a:solidFill>
@@ -8219,12 +8007,12 @@
           <a:graphicData uri="http://schemas.openxmlformats.org/presentationml/2006/ole">
             <mc:AlternateContent xmlns:mc="http://schemas.openxmlformats.org/markup-compatibility/2006">
               <mc:Choice xmlns:v="urn:schemas-microsoft-com:vml" Requires="v">
-                <p:oleObj spid="_x0000_s24586" name="Document" r:id="rId4" imgW="7313400" imgH="1610391" progId="Word.Document.12">
+                <p:oleObj spid="_x0000_s24587" name="Document" r:id="rId3" imgW="7313400" imgH="1610391" progId="Word.Document.12">
                   <p:embed/>
                 </p:oleObj>
               </mc:Choice>
               <mc:Fallback>
-                <p:oleObj name="Document" r:id="rId4" imgW="7313400" imgH="1610391" progId="Word.Document.12">
+                <p:oleObj name="Document" r:id="rId3" imgW="7313400" imgH="1610391" progId="Word.Document.12">
                   <p:embed/>
                   <p:pic>
                     <p:nvPicPr>
@@ -8233,7 +8021,7 @@
                       <p:nvPr/>
                     </p:nvPicPr>
                     <p:blipFill>
-                      <a:blip r:embed="rId5"/>
+                      <a:blip r:embed="rId4"/>
                       <a:stretch>
                         <a:fillRect/>
                       </a:stretch>
@@ -8264,13 +8052,6 @@
   <p:clrMapOvr>
     <a:masterClrMapping/>
   </p:clrMapOvr>
-  <p:timing>
-    <p:tnLst>
-      <p:par>
-        <p:cTn id="1" dur="indefinite" restart="never" nodeType="tmRoot"/>
-      </p:par>
-    </p:tnLst>
-  </p:timing>
 </p:sld>
 </file>
 
@@ -8307,7 +8088,7 @@
           <a:lstStyle/>
           <a:p>
             <a:r>
-              <a:rPr lang="en-US" smtClean="0"/>
+              <a:rPr lang="en-US"/>
               <a:t>A Tabs widget</a:t>
             </a:r>
             <a:endParaRPr lang="en-US" dirty="0"/>
@@ -8330,7 +8111,7 @@
           <a:lstStyle/>
           <a:p>
             <a:r>
-              <a:rPr lang="en-US" smtClean="0"/>
+              <a:rPr lang="en-US"/>
               <a:t>Murach's JavaScript and jQuery (3rd Ed.)</a:t>
             </a:r>
             <a:endParaRPr lang="en-US" dirty="0"/>
@@ -8353,33 +8134,32 @@
           <a:lstStyle/>
           <a:p>
             <a:r>
-              <a:rPr lang="en-US" smtClean="0"/>
+              <a:rPr lang="en-US"/>
               <a:t>© 2017, Mike Murach &amp; Associates, Inc.</a:t>
             </a:r>
+          </a:p>
+        </p:txBody>
+      </p:sp>
+      <p:sp>
+        <p:nvSpPr>
+          <p:cNvPr id="5" name="Slide Number Placeholder 4"/>
+          <p:cNvSpPr>
+            <a:spLocks noGrp="1"/>
+          </p:cNvSpPr>
+          <p:nvPr>
+            <p:ph type="sldNum" sz="quarter" idx="12"/>
+          </p:nvPr>
+        </p:nvSpPr>
+        <p:spPr/>
+        <p:txBody>
+          <a:bodyPr/>
+          <a:lstStyle/>
+          <a:p>
             <a:endParaRPr lang="en-US"/>
           </a:p>
-        </p:txBody>
-      </p:sp>
-      <p:sp>
-        <p:nvSpPr>
-          <p:cNvPr id="5" name="Slide Number Placeholder 4"/>
-          <p:cNvSpPr>
-            <a:spLocks noGrp="1"/>
-          </p:cNvSpPr>
-          <p:nvPr>
-            <p:ph type="sldNum" sz="quarter" idx="12"/>
-          </p:nvPr>
-        </p:nvSpPr>
-        <p:spPr/>
-        <p:txBody>
-          <a:bodyPr/>
-          <a:lstStyle/>
-          <a:p>
-            <a:endParaRPr lang="en-US" smtClean="0"/>
-          </a:p>
-          <a:p>
-            <a:r>
-              <a:rPr lang="en-US" smtClean="0"/>
+          <a:p>
+            <a:r>
+              <a:rPr lang="en-US"/>
               <a:t>C11, Slide </a:t>
             </a:r>
             <a:fld id="{5ECE9829-65B2-40C6-AEFF-7C648FF56A9C}" type="slidenum">
@@ -8436,13 +8216,6 @@
   <p:clrMapOvr>
     <a:masterClrMapping/>
   </p:clrMapOvr>
-  <p:timing>
-    <p:tnLst>
-      <p:par>
-        <p:cTn id="1" dur="indefinite" restart="never" nodeType="tmRoot"/>
-      </p:par>
-    </p:tnLst>
-  </p:timing>
 </p:sld>
 </file>
 
@@ -8509,7 +8282,7 @@
               <a:defRPr/>
             </a:pPr>
             <a:r>
-              <a:rPr lang="en-US" smtClean="0"/>
+              <a:rPr lang="en-US"/>
               <a:t>Murach's JavaScript and jQuery (3rd Ed.)</a:t>
             </a:r>
             <a:endParaRPr lang="en-US" dirty="0"/>
@@ -8535,39 +8308,38 @@
               <a:defRPr/>
             </a:pPr>
             <a:r>
-              <a:rPr lang="en-US" smtClean="0"/>
+              <a:rPr lang="en-US"/>
               <a:t>© 2017, Mike Murach &amp; Associates, Inc.</a:t>
             </a:r>
+          </a:p>
+        </p:txBody>
+      </p:sp>
+      <p:sp>
+        <p:nvSpPr>
+          <p:cNvPr id="5" name="Slide Number Placeholder 4"/>
+          <p:cNvSpPr>
+            <a:spLocks noGrp="1"/>
+          </p:cNvSpPr>
+          <p:nvPr>
+            <p:ph type="sldNum" sz="quarter" idx="12"/>
+          </p:nvPr>
+        </p:nvSpPr>
+        <p:spPr/>
+        <p:txBody>
+          <a:bodyPr/>
+          <a:lstStyle/>
+          <a:p>
+            <a:pPr>
+              <a:defRPr/>
+            </a:pPr>
             <a:endParaRPr lang="en-US"/>
           </a:p>
-        </p:txBody>
-      </p:sp>
-      <p:sp>
-        <p:nvSpPr>
-          <p:cNvPr id="5" name="Slide Number Placeholder 4"/>
-          <p:cNvSpPr>
-            <a:spLocks noGrp="1"/>
-          </p:cNvSpPr>
-          <p:nvPr>
-            <p:ph type="sldNum" sz="quarter" idx="12"/>
-          </p:nvPr>
-        </p:nvSpPr>
-        <p:spPr/>
-        <p:txBody>
-          <a:bodyPr/>
-          <a:lstStyle/>
-          <a:p>
-            <a:pPr>
-              <a:defRPr/>
-            </a:pPr>
-            <a:endParaRPr lang="en-US" smtClean="0"/>
-          </a:p>
           <a:p>
             <a:pPr algn="r">
               <a:defRPr/>
             </a:pPr>
             <a:r>
-              <a:rPr lang="en-US" sz="900" smtClean="0">
+              <a:rPr lang="en-US" sz="900">
                 <a:solidFill>
                   <a:schemeClr val="bg1"/>
                 </a:solidFill>
@@ -8618,12 +8390,12 @@
           <a:graphicData uri="http://schemas.openxmlformats.org/presentationml/2006/ole">
             <mc:AlternateContent xmlns:mc="http://schemas.openxmlformats.org/markup-compatibility/2006">
               <mc:Choice xmlns:v="urn:schemas-microsoft-com:vml" Requires="v">
-                <p:oleObj spid="_x0000_s25610" name="Document" r:id="rId4" imgW="7313400" imgH="2530717" progId="Word.Document.12">
+                <p:oleObj spid="_x0000_s25611" name="Document" r:id="rId3" imgW="7313400" imgH="2530717" progId="Word.Document.12">
                   <p:embed/>
                 </p:oleObj>
               </mc:Choice>
               <mc:Fallback>
-                <p:oleObj name="Document" r:id="rId4" imgW="7313400" imgH="2530717" progId="Word.Document.12">
+                <p:oleObj name="Document" r:id="rId3" imgW="7313400" imgH="2530717" progId="Word.Document.12">
                   <p:embed/>
                   <p:pic>
                     <p:nvPicPr>
@@ -8632,7 +8404,7 @@
                       <p:nvPr/>
                     </p:nvPicPr>
                     <p:blipFill>
-                      <a:blip r:embed="rId5"/>
+                      <a:blip r:embed="rId4"/>
                       <a:stretch>
                         <a:fillRect/>
                       </a:stretch>
@@ -8663,13 +8435,6 @@
   <p:clrMapOvr>
     <a:masterClrMapping/>
   </p:clrMapOvr>
-  <p:timing>
-    <p:tnLst>
-      <p:par>
-        <p:cTn id="1" dur="indefinite" restart="never" nodeType="tmRoot"/>
-      </p:par>
-    </p:tnLst>
-  </p:timing>
 </p:sld>
 </file>
 
@@ -8736,7 +8501,7 @@
               <a:defRPr/>
             </a:pPr>
             <a:r>
-              <a:rPr lang="en-US" smtClean="0"/>
+              <a:rPr lang="en-US"/>
               <a:t>Murach's JavaScript and jQuery (3rd Ed.)</a:t>
             </a:r>
             <a:endParaRPr lang="en-US" dirty="0"/>
@@ -8762,39 +8527,38 @@
               <a:defRPr/>
             </a:pPr>
             <a:r>
-              <a:rPr lang="en-US" smtClean="0"/>
+              <a:rPr lang="en-US"/>
               <a:t>© 2017, Mike Murach &amp; Associates, Inc.</a:t>
             </a:r>
+          </a:p>
+        </p:txBody>
+      </p:sp>
+      <p:sp>
+        <p:nvSpPr>
+          <p:cNvPr id="5" name="Slide Number Placeholder 4"/>
+          <p:cNvSpPr>
+            <a:spLocks noGrp="1"/>
+          </p:cNvSpPr>
+          <p:nvPr>
+            <p:ph type="sldNum" sz="quarter" idx="12"/>
+          </p:nvPr>
+        </p:nvSpPr>
+        <p:spPr/>
+        <p:txBody>
+          <a:bodyPr/>
+          <a:lstStyle/>
+          <a:p>
+            <a:pPr>
+              <a:defRPr/>
+            </a:pPr>
             <a:endParaRPr lang="en-US"/>
           </a:p>
-        </p:txBody>
-      </p:sp>
-      <p:sp>
-        <p:nvSpPr>
-          <p:cNvPr id="5" name="Slide Number Placeholder 4"/>
-          <p:cNvSpPr>
-            <a:spLocks noGrp="1"/>
-          </p:cNvSpPr>
-          <p:nvPr>
-            <p:ph type="sldNum" sz="quarter" idx="12"/>
-          </p:nvPr>
-        </p:nvSpPr>
-        <p:spPr/>
-        <p:txBody>
-          <a:bodyPr/>
-          <a:lstStyle/>
-          <a:p>
-            <a:pPr>
-              <a:defRPr/>
-            </a:pPr>
-            <a:endParaRPr lang="en-US" smtClean="0"/>
-          </a:p>
           <a:p>
             <a:pPr algn="r">
               <a:defRPr/>
             </a:pPr>
             <a:r>
-              <a:rPr lang="en-US" sz="900" smtClean="0">
+              <a:rPr lang="en-US" sz="900">
                 <a:solidFill>
                   <a:schemeClr val="bg1"/>
                 </a:solidFill>
@@ -8845,12 +8609,12 @@
           <a:graphicData uri="http://schemas.openxmlformats.org/presentationml/2006/ole">
             <mc:AlternateContent xmlns:mc="http://schemas.openxmlformats.org/markup-compatibility/2006">
               <mc:Choice xmlns:v="urn:schemas-microsoft-com:vml" Requires="v">
-                <p:oleObj spid="_x0000_s26634" name="Document" r:id="rId4" imgW="7313400" imgH="690065" progId="Word.Document.12">
+                <p:oleObj spid="_x0000_s26635" name="Document" r:id="rId3" imgW="7313400" imgH="690065" progId="Word.Document.12">
                   <p:embed/>
                 </p:oleObj>
               </mc:Choice>
               <mc:Fallback>
-                <p:oleObj name="Document" r:id="rId4" imgW="7313400" imgH="690065" progId="Word.Document.12">
+                <p:oleObj name="Document" r:id="rId3" imgW="7313400" imgH="690065" progId="Word.Document.12">
                   <p:embed/>
                   <p:pic>
                     <p:nvPicPr>
@@ -8859,7 +8623,7 @@
                       <p:nvPr/>
                     </p:nvPicPr>
                     <p:blipFill>
-                      <a:blip r:embed="rId5"/>
+                      <a:blip r:embed="rId4"/>
                       <a:stretch>
                         <a:fillRect/>
                       </a:stretch>
@@ -8890,13 +8654,6 @@
   <p:clrMapOvr>
     <a:masterClrMapping/>
   </p:clrMapOvr>
-  <p:timing>
-    <p:tnLst>
-      <p:par>
-        <p:cTn id="1" dur="indefinite" restart="never" nodeType="tmRoot"/>
-      </p:par>
-    </p:tnLst>
-  </p:timing>
 </p:sld>
 </file>
 
@@ -8963,7 +8720,7 @@
               <a:defRPr/>
             </a:pPr>
             <a:r>
-              <a:rPr lang="en-US" smtClean="0"/>
+              <a:rPr lang="en-US"/>
               <a:t>Murach's JavaScript and jQuery (3rd Ed.)</a:t>
             </a:r>
             <a:endParaRPr lang="en-US" dirty="0"/>
@@ -8989,39 +8746,38 @@
               <a:defRPr/>
             </a:pPr>
             <a:r>
-              <a:rPr lang="en-US" smtClean="0"/>
+              <a:rPr lang="en-US"/>
               <a:t>© 2017, Mike Murach &amp; Associates, Inc.</a:t>
             </a:r>
+          </a:p>
+        </p:txBody>
+      </p:sp>
+      <p:sp>
+        <p:nvSpPr>
+          <p:cNvPr id="5" name="Slide Number Placeholder 4"/>
+          <p:cNvSpPr>
+            <a:spLocks noGrp="1"/>
+          </p:cNvSpPr>
+          <p:nvPr>
+            <p:ph type="sldNum" sz="quarter" idx="12"/>
+          </p:nvPr>
+        </p:nvSpPr>
+        <p:spPr/>
+        <p:txBody>
+          <a:bodyPr/>
+          <a:lstStyle/>
+          <a:p>
+            <a:pPr>
+              <a:defRPr/>
+            </a:pPr>
             <a:endParaRPr lang="en-US"/>
           </a:p>
-        </p:txBody>
-      </p:sp>
-      <p:sp>
-        <p:nvSpPr>
-          <p:cNvPr id="5" name="Slide Number Placeholder 4"/>
-          <p:cNvSpPr>
-            <a:spLocks noGrp="1"/>
-          </p:cNvSpPr>
-          <p:nvPr>
-            <p:ph type="sldNum" sz="quarter" idx="12"/>
-          </p:nvPr>
-        </p:nvSpPr>
-        <p:spPr/>
-        <p:txBody>
-          <a:bodyPr/>
-          <a:lstStyle/>
-          <a:p>
-            <a:pPr>
-              <a:defRPr/>
-            </a:pPr>
-            <a:endParaRPr lang="en-US" smtClean="0"/>
-          </a:p>
           <a:p>
             <a:pPr algn="r">
               <a:defRPr/>
             </a:pPr>
             <a:r>
-              <a:rPr lang="en-US" sz="900" smtClean="0">
+              <a:rPr lang="en-US" sz="900">
                 <a:solidFill>
                   <a:schemeClr val="bg1"/>
                 </a:solidFill>
@@ -9095,13 +8851,6 @@
   <p:clrMapOvr>
     <a:masterClrMapping/>
   </p:clrMapOvr>
-  <p:timing>
-    <p:tnLst>
-      <p:par>
-        <p:cTn id="1" dur="indefinite" restart="never" nodeType="tmRoot"/>
-      </p:par>
-    </p:tnLst>
-  </p:timing>
 </p:sld>
 </file>
 
@@ -9168,7 +8917,7 @@
               <a:defRPr/>
             </a:pPr>
             <a:r>
-              <a:rPr lang="en-US" smtClean="0"/>
+              <a:rPr lang="en-US"/>
               <a:t>Murach's JavaScript and jQuery (3rd Ed.)</a:t>
             </a:r>
             <a:endParaRPr lang="en-US" dirty="0"/>
@@ -9194,39 +8943,38 @@
               <a:defRPr/>
             </a:pPr>
             <a:r>
-              <a:rPr lang="en-US" smtClean="0"/>
+              <a:rPr lang="en-US"/>
               <a:t>© 2017, Mike Murach &amp; Associates, Inc.</a:t>
             </a:r>
+          </a:p>
+        </p:txBody>
+      </p:sp>
+      <p:sp>
+        <p:nvSpPr>
+          <p:cNvPr id="5" name="Slide Number Placeholder 4"/>
+          <p:cNvSpPr>
+            <a:spLocks noGrp="1"/>
+          </p:cNvSpPr>
+          <p:nvPr>
+            <p:ph type="sldNum" sz="quarter" idx="12"/>
+          </p:nvPr>
+        </p:nvSpPr>
+        <p:spPr/>
+        <p:txBody>
+          <a:bodyPr/>
+          <a:lstStyle/>
+          <a:p>
+            <a:pPr>
+              <a:defRPr/>
+            </a:pPr>
             <a:endParaRPr lang="en-US"/>
           </a:p>
-        </p:txBody>
-      </p:sp>
-      <p:sp>
-        <p:nvSpPr>
-          <p:cNvPr id="5" name="Slide Number Placeholder 4"/>
-          <p:cNvSpPr>
-            <a:spLocks noGrp="1"/>
-          </p:cNvSpPr>
-          <p:nvPr>
-            <p:ph type="sldNum" sz="quarter" idx="12"/>
-          </p:nvPr>
-        </p:nvSpPr>
-        <p:spPr/>
-        <p:txBody>
-          <a:bodyPr/>
-          <a:lstStyle/>
-          <a:p>
-            <a:pPr>
-              <a:defRPr/>
-            </a:pPr>
-            <a:endParaRPr lang="en-US" smtClean="0"/>
-          </a:p>
           <a:p>
             <a:pPr algn="r">
               <a:defRPr/>
             </a:pPr>
             <a:r>
-              <a:rPr lang="en-US" sz="900" smtClean="0">
+              <a:rPr lang="en-US" sz="900">
                 <a:solidFill>
                   <a:schemeClr val="bg1"/>
                 </a:solidFill>
@@ -9277,12 +9025,12 @@
           <a:graphicData uri="http://schemas.openxmlformats.org/presentationml/2006/ole">
             <mc:AlternateContent xmlns:mc="http://schemas.openxmlformats.org/markup-compatibility/2006">
               <mc:Choice xmlns:v="urn:schemas-microsoft-com:vml" Requires="v">
-                <p:oleObj spid="_x0000_s27658" name="Document" r:id="rId4" imgW="7313400" imgH="1840293" progId="Word.Document.12">
+                <p:oleObj spid="_x0000_s27659" name="Document" r:id="rId3" imgW="7313400" imgH="1840293" progId="Word.Document.12">
                   <p:embed/>
                 </p:oleObj>
               </mc:Choice>
               <mc:Fallback>
-                <p:oleObj name="Document" r:id="rId4" imgW="7313400" imgH="1840293" progId="Word.Document.12">
+                <p:oleObj name="Document" r:id="rId3" imgW="7313400" imgH="1840293" progId="Word.Document.12">
                   <p:embed/>
                   <p:pic>
                     <p:nvPicPr>
@@ -9291,7 +9039,7 @@
                       <p:nvPr/>
                     </p:nvPicPr>
                     <p:blipFill>
-                      <a:blip r:embed="rId5"/>
+                      <a:blip r:embed="rId4"/>
                       <a:stretch>
                         <a:fillRect/>
                       </a:stretch>
@@ -9322,13 +9070,6 @@
   <p:clrMapOvr>
     <a:masterClrMapping/>
   </p:clrMapOvr>
-  <p:timing>
-    <p:tnLst>
-      <p:par>
-        <p:cTn id="1" dur="indefinite" restart="never" nodeType="tmRoot"/>
-      </p:par>
-    </p:tnLst>
-  </p:timing>
 </p:sld>
 </file>
 
@@ -9395,7 +9136,7 @@
               <a:defRPr/>
             </a:pPr>
             <a:r>
-              <a:rPr lang="en-US" smtClean="0"/>
+              <a:rPr lang="en-US"/>
               <a:t>Murach's JavaScript and jQuery (3rd Ed.)</a:t>
             </a:r>
             <a:endParaRPr lang="en-US" dirty="0"/>
@@ -9421,39 +9162,38 @@
               <a:defRPr/>
             </a:pPr>
             <a:r>
-              <a:rPr lang="en-US" smtClean="0"/>
+              <a:rPr lang="en-US"/>
               <a:t>© 2017, Mike Murach &amp; Associates, Inc.</a:t>
             </a:r>
+          </a:p>
+        </p:txBody>
+      </p:sp>
+      <p:sp>
+        <p:nvSpPr>
+          <p:cNvPr id="5" name="Slide Number Placeholder 4"/>
+          <p:cNvSpPr>
+            <a:spLocks noGrp="1"/>
+          </p:cNvSpPr>
+          <p:nvPr>
+            <p:ph type="sldNum" sz="quarter" idx="12"/>
+          </p:nvPr>
+        </p:nvSpPr>
+        <p:spPr/>
+        <p:txBody>
+          <a:bodyPr/>
+          <a:lstStyle/>
+          <a:p>
+            <a:pPr>
+              <a:defRPr/>
+            </a:pPr>
             <a:endParaRPr lang="en-US"/>
           </a:p>
-        </p:txBody>
-      </p:sp>
-      <p:sp>
-        <p:nvSpPr>
-          <p:cNvPr id="5" name="Slide Number Placeholder 4"/>
-          <p:cNvSpPr>
-            <a:spLocks noGrp="1"/>
-          </p:cNvSpPr>
-          <p:nvPr>
-            <p:ph type="sldNum" sz="quarter" idx="12"/>
-          </p:nvPr>
-        </p:nvSpPr>
-        <p:spPr/>
-        <p:txBody>
-          <a:bodyPr/>
-          <a:lstStyle/>
-          <a:p>
-            <a:pPr>
-              <a:defRPr/>
-            </a:pPr>
-            <a:endParaRPr lang="en-US" smtClean="0"/>
-          </a:p>
           <a:p>
             <a:pPr algn="r">
               <a:defRPr/>
             </a:pPr>
             <a:r>
-              <a:rPr lang="en-US" sz="900" smtClean="0">
+              <a:rPr lang="en-US" sz="900">
                 <a:solidFill>
                   <a:schemeClr val="bg1"/>
                 </a:solidFill>
@@ -9504,12 +9244,12 @@
           <a:graphicData uri="http://schemas.openxmlformats.org/presentationml/2006/ole">
             <mc:AlternateContent xmlns:mc="http://schemas.openxmlformats.org/markup-compatibility/2006">
               <mc:Choice xmlns:v="urn:schemas-microsoft-com:vml" Requires="v">
-                <p:oleObj spid="_x0000_s28682" name="Document" r:id="rId4" imgW="7313400" imgH="1840293" progId="Word.Document.12">
+                <p:oleObj spid="_x0000_s28683" name="Document" r:id="rId3" imgW="7313400" imgH="1840293" progId="Word.Document.12">
                   <p:embed/>
                 </p:oleObj>
               </mc:Choice>
               <mc:Fallback>
-                <p:oleObj name="Document" r:id="rId4" imgW="7313400" imgH="1840293" progId="Word.Document.12">
+                <p:oleObj name="Document" r:id="rId3" imgW="7313400" imgH="1840293" progId="Word.Document.12">
                   <p:embed/>
                   <p:pic>
                     <p:nvPicPr>
@@ -9518,7 +9258,7 @@
                       <p:nvPr/>
                     </p:nvPicPr>
                     <p:blipFill>
-                      <a:blip r:embed="rId5"/>
+                      <a:blip r:embed="rId4"/>
                       <a:stretch>
                         <a:fillRect/>
                       </a:stretch>
@@ -9549,13 +9289,6 @@
   <p:clrMapOvr>
     <a:masterClrMapping/>
   </p:clrMapOvr>
-  <p:timing>
-    <p:tnLst>
-      <p:par>
-        <p:cTn id="1" dur="indefinite" restart="never" nodeType="tmRoot"/>
-      </p:par>
-    </p:tnLst>
-  </p:timing>
 </p:sld>
 </file>
 
@@ -9622,7 +9355,7 @@
               <a:defRPr/>
             </a:pPr>
             <a:r>
-              <a:rPr lang="en-US" smtClean="0"/>
+              <a:rPr lang="en-US"/>
               <a:t>Murach's JavaScript and jQuery (3rd Ed.)</a:t>
             </a:r>
             <a:endParaRPr lang="en-US" dirty="0"/>
@@ -9648,39 +9381,38 @@
               <a:defRPr/>
             </a:pPr>
             <a:r>
-              <a:rPr lang="en-US" smtClean="0"/>
+              <a:rPr lang="en-US"/>
               <a:t>© 2017, Mike Murach &amp; Associates, Inc.</a:t>
             </a:r>
+          </a:p>
+        </p:txBody>
+      </p:sp>
+      <p:sp>
+        <p:nvSpPr>
+          <p:cNvPr id="5" name="Slide Number Placeholder 4"/>
+          <p:cNvSpPr>
+            <a:spLocks noGrp="1"/>
+          </p:cNvSpPr>
+          <p:nvPr>
+            <p:ph type="sldNum" sz="quarter" idx="12"/>
+          </p:nvPr>
+        </p:nvSpPr>
+        <p:spPr/>
+        <p:txBody>
+          <a:bodyPr/>
+          <a:lstStyle/>
+          <a:p>
+            <a:pPr>
+              <a:defRPr/>
+            </a:pPr>
             <a:endParaRPr lang="en-US"/>
           </a:p>
-        </p:txBody>
-      </p:sp>
-      <p:sp>
-        <p:nvSpPr>
-          <p:cNvPr id="5" name="Slide Number Placeholder 4"/>
-          <p:cNvSpPr>
-            <a:spLocks noGrp="1"/>
-          </p:cNvSpPr>
-          <p:nvPr>
-            <p:ph type="sldNum" sz="quarter" idx="12"/>
-          </p:nvPr>
-        </p:nvSpPr>
-        <p:spPr/>
-        <p:txBody>
-          <a:bodyPr/>
-          <a:lstStyle/>
-          <a:p>
-            <a:pPr>
-              <a:defRPr/>
-            </a:pPr>
-            <a:endParaRPr lang="en-US" smtClean="0"/>
-          </a:p>
           <a:p>
             <a:pPr algn="r">
               <a:defRPr/>
             </a:pPr>
             <a:r>
-              <a:rPr lang="en-US" sz="900" smtClean="0">
+              <a:rPr lang="en-US" sz="900">
                 <a:solidFill>
                   <a:schemeClr val="bg1"/>
                 </a:solidFill>
@@ -9754,13 +9486,6 @@
   <p:clrMapOvr>
     <a:masterClrMapping/>
   </p:clrMapOvr>
-  <p:timing>
-    <p:tnLst>
-      <p:par>
-        <p:cTn id="1" dur="indefinite" restart="never" nodeType="tmRoot"/>
-      </p:par>
-    </p:tnLst>
-  </p:timing>
 </p:sld>
 </file>
 
@@ -9835,7 +9560,7 @@
               <a:defRPr/>
             </a:pPr>
             <a:r>
-              <a:rPr lang="en-US" smtClean="0"/>
+              <a:rPr lang="en-US"/>
               <a:t>Murach's JavaScript and jQuery (3rd Ed.)</a:t>
             </a:r>
             <a:endParaRPr lang="en-US" dirty="0"/>
@@ -9861,39 +9586,38 @@
               <a:defRPr/>
             </a:pPr>
             <a:r>
-              <a:rPr lang="en-US" smtClean="0"/>
+              <a:rPr lang="en-US"/>
               <a:t>© 2017, Mike Murach &amp; Associates, Inc.</a:t>
             </a:r>
+          </a:p>
+        </p:txBody>
+      </p:sp>
+      <p:sp>
+        <p:nvSpPr>
+          <p:cNvPr id="5" name="Slide Number Placeholder 4"/>
+          <p:cNvSpPr>
+            <a:spLocks noGrp="1"/>
+          </p:cNvSpPr>
+          <p:nvPr>
+            <p:ph type="sldNum" sz="quarter" idx="12"/>
+          </p:nvPr>
+        </p:nvSpPr>
+        <p:spPr/>
+        <p:txBody>
+          <a:bodyPr/>
+          <a:lstStyle/>
+          <a:p>
+            <a:pPr>
+              <a:defRPr/>
+            </a:pPr>
             <a:endParaRPr lang="en-US"/>
           </a:p>
-        </p:txBody>
-      </p:sp>
-      <p:sp>
-        <p:nvSpPr>
-          <p:cNvPr id="5" name="Slide Number Placeholder 4"/>
-          <p:cNvSpPr>
-            <a:spLocks noGrp="1"/>
-          </p:cNvSpPr>
-          <p:nvPr>
-            <p:ph type="sldNum" sz="quarter" idx="12"/>
-          </p:nvPr>
-        </p:nvSpPr>
-        <p:spPr/>
-        <p:txBody>
-          <a:bodyPr/>
-          <a:lstStyle/>
-          <a:p>
-            <a:pPr>
-              <a:defRPr/>
-            </a:pPr>
-            <a:endParaRPr lang="en-US" smtClean="0"/>
-          </a:p>
           <a:p>
             <a:pPr algn="r">
               <a:defRPr/>
             </a:pPr>
             <a:r>
-              <a:rPr lang="en-US" sz="900" smtClean="0">
+              <a:rPr lang="en-US" sz="900">
                 <a:solidFill>
                   <a:schemeClr val="bg1"/>
                 </a:solidFill>
@@ -9967,13 +9691,6 @@
   <p:clrMapOvr>
     <a:masterClrMapping/>
   </p:clrMapOvr>
-  <p:timing>
-    <p:tnLst>
-      <p:par>
-        <p:cTn id="1" dur="indefinite" restart="never" nodeType="tmRoot"/>
-      </p:par>
-    </p:tnLst>
-  </p:timing>
 </p:sld>
 </file>
 
@@ -10048,7 +9765,7 @@
               <a:defRPr/>
             </a:pPr>
             <a:r>
-              <a:rPr lang="en-US" smtClean="0"/>
+              <a:rPr lang="en-US"/>
               <a:t>Murach's JavaScript and jQuery (3rd Ed.)</a:t>
             </a:r>
             <a:endParaRPr lang="en-US" dirty="0"/>
@@ -10074,39 +9791,38 @@
               <a:defRPr/>
             </a:pPr>
             <a:r>
-              <a:rPr lang="en-US" smtClean="0"/>
+              <a:rPr lang="en-US"/>
               <a:t>© 2017, Mike Murach &amp; Associates, Inc.</a:t>
             </a:r>
+          </a:p>
+        </p:txBody>
+      </p:sp>
+      <p:sp>
+        <p:nvSpPr>
+          <p:cNvPr id="5" name="Slide Number Placeholder 4"/>
+          <p:cNvSpPr>
+            <a:spLocks noGrp="1"/>
+          </p:cNvSpPr>
+          <p:nvPr>
+            <p:ph type="sldNum" sz="quarter" idx="12"/>
+          </p:nvPr>
+        </p:nvSpPr>
+        <p:spPr/>
+        <p:txBody>
+          <a:bodyPr/>
+          <a:lstStyle/>
+          <a:p>
+            <a:pPr>
+              <a:defRPr/>
+            </a:pPr>
             <a:endParaRPr lang="en-US"/>
           </a:p>
-        </p:txBody>
-      </p:sp>
-      <p:sp>
-        <p:nvSpPr>
-          <p:cNvPr id="5" name="Slide Number Placeholder 4"/>
-          <p:cNvSpPr>
-            <a:spLocks noGrp="1"/>
-          </p:cNvSpPr>
-          <p:nvPr>
-            <p:ph type="sldNum" sz="quarter" idx="12"/>
-          </p:nvPr>
-        </p:nvSpPr>
-        <p:spPr/>
-        <p:txBody>
-          <a:bodyPr/>
-          <a:lstStyle/>
-          <a:p>
-            <a:pPr>
-              <a:defRPr/>
-            </a:pPr>
-            <a:endParaRPr lang="en-US" smtClean="0"/>
-          </a:p>
           <a:p>
             <a:pPr algn="r">
               <a:defRPr/>
             </a:pPr>
             <a:r>
-              <a:rPr lang="en-US" sz="900" smtClean="0">
+              <a:rPr lang="en-US" sz="900">
                 <a:solidFill>
                   <a:schemeClr val="bg1"/>
                 </a:solidFill>
@@ -10157,12 +9873,12 @@
           <a:graphicData uri="http://schemas.openxmlformats.org/presentationml/2006/ole">
             <mc:AlternateContent xmlns:mc="http://schemas.openxmlformats.org/markup-compatibility/2006">
               <mc:Choice xmlns:v="urn:schemas-microsoft-com:vml" Requires="v">
-                <p:oleObj spid="_x0000_s29706" name="Document" r:id="rId4" imgW="7313400" imgH="460163" progId="Word.Document.12">
+                <p:oleObj spid="_x0000_s29707" name="Document" r:id="rId3" imgW="7313400" imgH="460163" progId="Word.Document.12">
                   <p:embed/>
                 </p:oleObj>
               </mc:Choice>
               <mc:Fallback>
-                <p:oleObj name="Document" r:id="rId4" imgW="7313400" imgH="460163" progId="Word.Document.12">
+                <p:oleObj name="Document" r:id="rId3" imgW="7313400" imgH="460163" progId="Word.Document.12">
                   <p:embed/>
                   <p:pic>
                     <p:nvPicPr>
@@ -10171,7 +9887,7 @@
                       <p:nvPr/>
                     </p:nvPicPr>
                     <p:blipFill>
-                      <a:blip r:embed="rId5"/>
+                      <a:blip r:embed="rId4"/>
                       <a:stretch>
                         <a:fillRect/>
                       </a:stretch>
@@ -10202,13 +9918,6 @@
   <p:clrMapOvr>
     <a:masterClrMapping/>
   </p:clrMapOvr>
-  <p:timing>
-    <p:tnLst>
-      <p:par>
-        <p:cTn id="1" dur="indefinite" restart="never" nodeType="tmRoot"/>
-      </p:par>
-    </p:tnLst>
-  </p:timing>
 </p:sld>
 </file>
 
@@ -10283,7 +9992,7 @@
               <a:defRPr/>
             </a:pPr>
             <a:r>
-              <a:rPr lang="en-US" smtClean="0"/>
+              <a:rPr lang="en-US"/>
               <a:t>Murach's JavaScript and jQuery (3rd Ed.)</a:t>
             </a:r>
             <a:endParaRPr lang="en-US" dirty="0"/>
@@ -10309,39 +10018,38 @@
               <a:defRPr/>
             </a:pPr>
             <a:r>
-              <a:rPr lang="en-US" smtClean="0"/>
+              <a:rPr lang="en-US"/>
               <a:t>© 2017, Mike Murach &amp; Associates, Inc.</a:t>
             </a:r>
+          </a:p>
+        </p:txBody>
+      </p:sp>
+      <p:sp>
+        <p:nvSpPr>
+          <p:cNvPr id="5" name="Slide Number Placeholder 4"/>
+          <p:cNvSpPr>
+            <a:spLocks noGrp="1"/>
+          </p:cNvSpPr>
+          <p:nvPr>
+            <p:ph type="sldNum" sz="quarter" idx="12"/>
+          </p:nvPr>
+        </p:nvSpPr>
+        <p:spPr/>
+        <p:txBody>
+          <a:bodyPr/>
+          <a:lstStyle/>
+          <a:p>
+            <a:pPr>
+              <a:defRPr/>
+            </a:pPr>
             <a:endParaRPr lang="en-US"/>
           </a:p>
-        </p:txBody>
-      </p:sp>
-      <p:sp>
-        <p:nvSpPr>
-          <p:cNvPr id="5" name="Slide Number Placeholder 4"/>
-          <p:cNvSpPr>
-            <a:spLocks noGrp="1"/>
-          </p:cNvSpPr>
-          <p:nvPr>
-            <p:ph type="sldNum" sz="quarter" idx="12"/>
-          </p:nvPr>
-        </p:nvSpPr>
-        <p:spPr/>
-        <p:txBody>
-          <a:bodyPr/>
-          <a:lstStyle/>
-          <a:p>
-            <a:pPr>
-              <a:defRPr/>
-            </a:pPr>
-            <a:endParaRPr lang="en-US" smtClean="0"/>
-          </a:p>
           <a:p>
             <a:pPr algn="r">
               <a:defRPr/>
             </a:pPr>
             <a:r>
-              <a:rPr lang="en-US" sz="900" smtClean="0">
+              <a:rPr lang="en-US" sz="900">
                 <a:solidFill>
                   <a:schemeClr val="bg1"/>
                 </a:solidFill>
@@ -10392,12 +10100,12 @@
           <a:graphicData uri="http://schemas.openxmlformats.org/presentationml/2006/ole">
             <mc:AlternateContent xmlns:mc="http://schemas.openxmlformats.org/markup-compatibility/2006">
               <mc:Choice xmlns:v="urn:schemas-microsoft-com:vml" Requires="v">
-                <p:oleObj spid="_x0000_s30730" name="Document" r:id="rId4" imgW="7313400" imgH="3265036" progId="Word.Document.12">
+                <p:oleObj spid="_x0000_s30731" name="Document" r:id="rId3" imgW="7313400" imgH="3265036" progId="Word.Document.12">
                   <p:embed/>
                 </p:oleObj>
               </mc:Choice>
               <mc:Fallback>
-                <p:oleObj name="Document" r:id="rId4" imgW="7313400" imgH="3265036" progId="Word.Document.12">
+                <p:oleObj name="Document" r:id="rId3" imgW="7313400" imgH="3265036" progId="Word.Document.12">
                   <p:embed/>
                   <p:pic>
                     <p:nvPicPr>
@@ -10406,7 +10114,7 @@
                       <p:nvPr/>
                     </p:nvPicPr>
                     <p:blipFill>
-                      <a:blip r:embed="rId5"/>
+                      <a:blip r:embed="rId4"/>
                       <a:stretch>
                         <a:fillRect/>
                       </a:stretch>
@@ -10437,18 +10145,11 @@
   <p:clrMapOvr>
     <a:masterClrMapping/>
   </p:clrMapOvr>
-  <p:timing>
-    <p:tnLst>
-      <p:par>
-        <p:cTn id="1" dur="indefinite" restart="never" nodeType="tmRoot"/>
-      </p:par>
-    </p:tnLst>
-  </p:timing>
 </p:sld>
 </file>
 
 <file path=ppt/slides/slide43.xml><?xml version="1.0" encoding="utf-8"?>
-<p:sld xmlns:a="http://schemas.openxmlformats.org/drawingml/2006/main" xmlns:r="http://schemas.openxmlformats.org/officeDocument/2006/relationships" xmlns:p="http://schemas.openxmlformats.org/presentationml/2006/main">
+<p:sld xmlns:a="http://schemas.openxmlformats.org/drawingml/2006/main" xmlns:r="http://schemas.openxmlformats.org/officeDocument/2006/relationships" xmlns:p="http://schemas.openxmlformats.org/presentationml/2006/main" show="0">
   <p:cSld>
     <p:spTree>
       <p:nvGrpSpPr>
@@ -10510,7 +10211,7 @@
               <a:defRPr/>
             </a:pPr>
             <a:r>
-              <a:rPr lang="en-US" smtClean="0"/>
+              <a:rPr lang="en-US"/>
               <a:t>Murach's JavaScript and jQuery (3rd Ed.)</a:t>
             </a:r>
             <a:endParaRPr lang="en-US" dirty="0"/>
@@ -10536,39 +10237,38 @@
               <a:defRPr/>
             </a:pPr>
             <a:r>
-              <a:rPr lang="en-US" smtClean="0"/>
+              <a:rPr lang="en-US"/>
               <a:t>© 2017, Mike Murach &amp; Associates, Inc.</a:t>
             </a:r>
+          </a:p>
+        </p:txBody>
+      </p:sp>
+      <p:sp>
+        <p:nvSpPr>
+          <p:cNvPr id="5" name="Slide Number Placeholder 4"/>
+          <p:cNvSpPr>
+            <a:spLocks noGrp="1"/>
+          </p:cNvSpPr>
+          <p:nvPr>
+            <p:ph type="sldNum" sz="quarter" idx="12"/>
+          </p:nvPr>
+        </p:nvSpPr>
+        <p:spPr/>
+        <p:txBody>
+          <a:bodyPr/>
+          <a:lstStyle/>
+          <a:p>
+            <a:pPr>
+              <a:defRPr/>
+            </a:pPr>
             <a:endParaRPr lang="en-US"/>
           </a:p>
-        </p:txBody>
-      </p:sp>
-      <p:sp>
-        <p:nvSpPr>
-          <p:cNvPr id="5" name="Slide Number Placeholder 4"/>
-          <p:cNvSpPr>
-            <a:spLocks noGrp="1"/>
-          </p:cNvSpPr>
-          <p:nvPr>
-            <p:ph type="sldNum" sz="quarter" idx="12"/>
-          </p:nvPr>
-        </p:nvSpPr>
-        <p:spPr/>
-        <p:txBody>
-          <a:bodyPr/>
-          <a:lstStyle/>
-          <a:p>
-            <a:pPr>
-              <a:defRPr/>
-            </a:pPr>
-            <a:endParaRPr lang="en-US" smtClean="0"/>
-          </a:p>
           <a:p>
             <a:pPr algn="r">
               <a:defRPr/>
             </a:pPr>
             <a:r>
-              <a:rPr lang="en-US" sz="900" smtClean="0">
+              <a:rPr lang="en-US" sz="900">
                 <a:solidFill>
                   <a:schemeClr val="bg1"/>
                 </a:solidFill>
@@ -10619,12 +10319,12 @@
           <a:graphicData uri="http://schemas.openxmlformats.org/presentationml/2006/ole">
             <mc:AlternateContent xmlns:mc="http://schemas.openxmlformats.org/markup-compatibility/2006">
               <mc:Choice xmlns:v="urn:schemas-microsoft-com:vml" Requires="v">
-                <p:oleObj spid="_x0000_s31754" name="Document" r:id="rId4" imgW="7313400" imgH="4499453" progId="Word.Document.12">
+                <p:oleObj spid="_x0000_s31755" name="Document" r:id="rId3" imgW="7313400" imgH="4499453" progId="Word.Document.12">
                   <p:embed/>
                 </p:oleObj>
               </mc:Choice>
               <mc:Fallback>
-                <p:oleObj name="Document" r:id="rId4" imgW="7313400" imgH="4499453" progId="Word.Document.12">
+                <p:oleObj name="Document" r:id="rId3" imgW="7313400" imgH="4499453" progId="Word.Document.12">
                   <p:embed/>
                   <p:pic>
                     <p:nvPicPr>
@@ -10633,7 +10333,7 @@
                       <p:nvPr/>
                     </p:nvPicPr>
                     <p:blipFill>
-                      <a:blip r:embed="rId5"/>
+                      <a:blip r:embed="rId4"/>
                       <a:stretch>
                         <a:fillRect/>
                       </a:stretch>
@@ -10664,18 +10364,11 @@
   <p:clrMapOvr>
     <a:masterClrMapping/>
   </p:clrMapOvr>
-  <p:timing>
-    <p:tnLst>
-      <p:par>
-        <p:cTn id="1" dur="indefinite" restart="never" nodeType="tmRoot"/>
-      </p:par>
-    </p:tnLst>
-  </p:timing>
 </p:sld>
 </file>
 
 <file path=ppt/slides/slide44.xml><?xml version="1.0" encoding="utf-8"?>
-<p:sld xmlns:a="http://schemas.openxmlformats.org/drawingml/2006/main" xmlns:r="http://schemas.openxmlformats.org/officeDocument/2006/relationships" xmlns:p="http://schemas.openxmlformats.org/presentationml/2006/main">
+<p:sld xmlns:a="http://schemas.openxmlformats.org/drawingml/2006/main" xmlns:r="http://schemas.openxmlformats.org/officeDocument/2006/relationships" xmlns:p="http://schemas.openxmlformats.org/presentationml/2006/main" show="0">
   <p:cSld>
     <p:spTree>
       <p:nvGrpSpPr>
@@ -10737,7 +10430,7 @@
               <a:defRPr/>
             </a:pPr>
             <a:r>
-              <a:rPr lang="en-US" smtClean="0"/>
+              <a:rPr lang="en-US"/>
               <a:t>Murach's JavaScript and jQuery (3rd Ed.)</a:t>
             </a:r>
             <a:endParaRPr lang="en-US" dirty="0"/>
@@ -10763,39 +10456,38 @@
               <a:defRPr/>
             </a:pPr>
             <a:r>
-              <a:rPr lang="en-US" smtClean="0"/>
+              <a:rPr lang="en-US"/>
               <a:t>© 2017, Mike Murach &amp; Associates, Inc.</a:t>
             </a:r>
+          </a:p>
+        </p:txBody>
+      </p:sp>
+      <p:sp>
+        <p:nvSpPr>
+          <p:cNvPr id="5" name="Slide Number Placeholder 4"/>
+          <p:cNvSpPr>
+            <a:spLocks noGrp="1"/>
+          </p:cNvSpPr>
+          <p:nvPr>
+            <p:ph type="sldNum" sz="quarter" idx="12"/>
+          </p:nvPr>
+        </p:nvSpPr>
+        <p:spPr/>
+        <p:txBody>
+          <a:bodyPr/>
+          <a:lstStyle/>
+          <a:p>
+            <a:pPr>
+              <a:defRPr/>
+            </a:pPr>
             <a:endParaRPr lang="en-US"/>
           </a:p>
-        </p:txBody>
-      </p:sp>
-      <p:sp>
-        <p:nvSpPr>
-          <p:cNvPr id="5" name="Slide Number Placeholder 4"/>
-          <p:cNvSpPr>
-            <a:spLocks noGrp="1"/>
-          </p:cNvSpPr>
-          <p:nvPr>
-            <p:ph type="sldNum" sz="quarter" idx="12"/>
-          </p:nvPr>
-        </p:nvSpPr>
-        <p:spPr/>
-        <p:txBody>
-          <a:bodyPr/>
-          <a:lstStyle/>
-          <a:p>
-            <a:pPr>
-              <a:defRPr/>
-            </a:pPr>
-            <a:endParaRPr lang="en-US" smtClean="0"/>
-          </a:p>
           <a:p>
             <a:pPr algn="r">
               <a:defRPr/>
             </a:pPr>
             <a:r>
-              <a:rPr lang="en-US" sz="900" smtClean="0">
+              <a:rPr lang="en-US" sz="900">
                 <a:solidFill>
                   <a:schemeClr val="bg1"/>
                 </a:solidFill>
@@ -10862,18 +10554,11 @@
   <p:clrMapOvr>
     <a:masterClrMapping/>
   </p:clrMapOvr>
-  <p:timing>
-    <p:tnLst>
-      <p:par>
-        <p:cTn id="1" dur="indefinite" restart="never" nodeType="tmRoot"/>
-      </p:par>
-    </p:tnLst>
-  </p:timing>
 </p:sld>
 </file>
 
 <file path=ppt/slides/slide45.xml><?xml version="1.0" encoding="utf-8"?>
-<p:sld xmlns:a="http://schemas.openxmlformats.org/drawingml/2006/main" xmlns:r="http://schemas.openxmlformats.org/officeDocument/2006/relationships" xmlns:p="http://schemas.openxmlformats.org/presentationml/2006/main">
+<p:sld xmlns:a="http://schemas.openxmlformats.org/drawingml/2006/main" xmlns:r="http://schemas.openxmlformats.org/officeDocument/2006/relationships" xmlns:p="http://schemas.openxmlformats.org/presentationml/2006/main" show="0">
   <p:cSld>
     <p:spTree>
       <p:nvGrpSpPr>
@@ -10935,7 +10620,7 @@
               <a:defRPr/>
             </a:pPr>
             <a:r>
-              <a:rPr lang="en-US" smtClean="0"/>
+              <a:rPr lang="en-US"/>
               <a:t>Murach's JavaScript and jQuery (3rd Ed.)</a:t>
             </a:r>
             <a:endParaRPr lang="en-US" dirty="0"/>
@@ -10961,39 +10646,38 @@
               <a:defRPr/>
             </a:pPr>
             <a:r>
-              <a:rPr lang="en-US" smtClean="0"/>
+              <a:rPr lang="en-US"/>
               <a:t>© 2017, Mike Murach &amp; Associates, Inc.</a:t>
             </a:r>
+          </a:p>
+        </p:txBody>
+      </p:sp>
+      <p:sp>
+        <p:nvSpPr>
+          <p:cNvPr id="5" name="Slide Number Placeholder 4"/>
+          <p:cNvSpPr>
+            <a:spLocks noGrp="1"/>
+          </p:cNvSpPr>
+          <p:nvPr>
+            <p:ph type="sldNum" sz="quarter" idx="12"/>
+          </p:nvPr>
+        </p:nvSpPr>
+        <p:spPr/>
+        <p:txBody>
+          <a:bodyPr/>
+          <a:lstStyle/>
+          <a:p>
+            <a:pPr>
+              <a:defRPr/>
+            </a:pPr>
             <a:endParaRPr lang="en-US"/>
           </a:p>
-        </p:txBody>
-      </p:sp>
-      <p:sp>
-        <p:nvSpPr>
-          <p:cNvPr id="5" name="Slide Number Placeholder 4"/>
-          <p:cNvSpPr>
-            <a:spLocks noGrp="1"/>
-          </p:cNvSpPr>
-          <p:nvPr>
-            <p:ph type="sldNum" sz="quarter" idx="12"/>
-          </p:nvPr>
-        </p:nvSpPr>
-        <p:spPr/>
-        <p:txBody>
-          <a:bodyPr/>
-          <a:lstStyle/>
-          <a:p>
-            <a:pPr>
-              <a:defRPr/>
-            </a:pPr>
-            <a:endParaRPr lang="en-US" smtClean="0"/>
-          </a:p>
           <a:p>
             <a:pPr algn="r">
               <a:defRPr/>
             </a:pPr>
             <a:r>
-              <a:rPr lang="en-US" sz="900" smtClean="0">
+              <a:rPr lang="en-US" sz="900">
                 <a:solidFill>
                   <a:schemeClr val="bg1"/>
                 </a:solidFill>
@@ -11060,18 +10744,11 @@
   <p:clrMapOvr>
     <a:masterClrMapping/>
   </p:clrMapOvr>
-  <p:timing>
-    <p:tnLst>
-      <p:par>
-        <p:cTn id="1" dur="indefinite" restart="never" nodeType="tmRoot"/>
-      </p:par>
-    </p:tnLst>
-  </p:timing>
 </p:sld>
 </file>
 
 <file path=ppt/slides/slide46.xml><?xml version="1.0" encoding="utf-8"?>
-<p:sld xmlns:a="http://schemas.openxmlformats.org/drawingml/2006/main" xmlns:r="http://schemas.openxmlformats.org/officeDocument/2006/relationships" xmlns:p="http://schemas.openxmlformats.org/presentationml/2006/main">
+<p:sld xmlns:a="http://schemas.openxmlformats.org/drawingml/2006/main" xmlns:r="http://schemas.openxmlformats.org/officeDocument/2006/relationships" xmlns:p="http://schemas.openxmlformats.org/presentationml/2006/main" show="0">
   <p:cSld>
     <p:spTree>
       <p:nvGrpSpPr>
@@ -11133,7 +10810,7 @@
               <a:defRPr/>
             </a:pPr>
             <a:r>
-              <a:rPr lang="en-US" smtClean="0"/>
+              <a:rPr lang="en-US"/>
               <a:t>Murach's JavaScript and jQuery (3rd Ed.)</a:t>
             </a:r>
             <a:endParaRPr lang="en-US" dirty="0"/>
@@ -11159,39 +10836,38 @@
               <a:defRPr/>
             </a:pPr>
             <a:r>
-              <a:rPr lang="en-US" smtClean="0"/>
+              <a:rPr lang="en-US"/>
               <a:t>© 2017, Mike Murach &amp; Associates, Inc.</a:t>
             </a:r>
+          </a:p>
+        </p:txBody>
+      </p:sp>
+      <p:sp>
+        <p:nvSpPr>
+          <p:cNvPr id="5" name="Slide Number Placeholder 4"/>
+          <p:cNvSpPr>
+            <a:spLocks noGrp="1"/>
+          </p:cNvSpPr>
+          <p:nvPr>
+            <p:ph type="sldNum" sz="quarter" idx="12"/>
+          </p:nvPr>
+        </p:nvSpPr>
+        <p:spPr/>
+        <p:txBody>
+          <a:bodyPr/>
+          <a:lstStyle/>
+          <a:p>
+            <a:pPr>
+              <a:defRPr/>
+            </a:pPr>
             <a:endParaRPr lang="en-US"/>
           </a:p>
-        </p:txBody>
-      </p:sp>
-      <p:sp>
-        <p:nvSpPr>
-          <p:cNvPr id="5" name="Slide Number Placeholder 4"/>
-          <p:cNvSpPr>
-            <a:spLocks noGrp="1"/>
-          </p:cNvSpPr>
-          <p:nvPr>
-            <p:ph type="sldNum" sz="quarter" idx="12"/>
-          </p:nvPr>
-        </p:nvSpPr>
-        <p:spPr/>
-        <p:txBody>
-          <a:bodyPr/>
-          <a:lstStyle/>
-          <a:p>
-            <a:pPr>
-              <a:defRPr/>
-            </a:pPr>
-            <a:endParaRPr lang="en-US" smtClean="0"/>
-          </a:p>
           <a:p>
             <a:pPr algn="r">
               <a:defRPr/>
             </a:pPr>
             <a:r>
-              <a:rPr lang="en-US" sz="900" smtClean="0">
+              <a:rPr lang="en-US" sz="900">
                 <a:solidFill>
                   <a:schemeClr val="bg1"/>
                 </a:solidFill>
@@ -11242,12 +10918,12 @@
           <a:graphicData uri="http://schemas.openxmlformats.org/presentationml/2006/ole">
             <mc:AlternateContent xmlns:mc="http://schemas.openxmlformats.org/markup-compatibility/2006">
               <mc:Choice xmlns:v="urn:schemas-microsoft-com:vml" Requires="v">
-                <p:oleObj spid="_x0000_s32778" name="Document" r:id="rId4" imgW="7313400" imgH="3127238" progId="Word.Document.12">
+                <p:oleObj spid="_x0000_s32779" name="Document" r:id="rId3" imgW="7313400" imgH="3127238" progId="Word.Document.12">
                   <p:embed/>
                 </p:oleObj>
               </mc:Choice>
               <mc:Fallback>
-                <p:oleObj name="Document" r:id="rId4" imgW="7313400" imgH="3127238" progId="Word.Document.12">
+                <p:oleObj name="Document" r:id="rId3" imgW="7313400" imgH="3127238" progId="Word.Document.12">
                   <p:embed/>
                   <p:pic>
                     <p:nvPicPr>
@@ -11256,7 +10932,7 @@
                       <p:nvPr/>
                     </p:nvPicPr>
                     <p:blipFill>
-                      <a:blip r:embed="rId5"/>
+                      <a:blip r:embed="rId4"/>
                       <a:stretch>
                         <a:fillRect/>
                       </a:stretch>
@@ -11287,18 +10963,11 @@
   <p:clrMapOvr>
     <a:masterClrMapping/>
   </p:clrMapOvr>
-  <p:timing>
-    <p:tnLst>
-      <p:par>
-        <p:cTn id="1" dur="indefinite" restart="never" nodeType="tmRoot"/>
-      </p:par>
-    </p:tnLst>
-  </p:timing>
 </p:sld>
 </file>
 
 <file path=ppt/slides/slide47.xml><?xml version="1.0" encoding="utf-8"?>
-<p:sld xmlns:a="http://schemas.openxmlformats.org/drawingml/2006/main" xmlns:r="http://schemas.openxmlformats.org/officeDocument/2006/relationships" xmlns:p="http://schemas.openxmlformats.org/presentationml/2006/main">
+<p:sld xmlns:a="http://schemas.openxmlformats.org/drawingml/2006/main" xmlns:r="http://schemas.openxmlformats.org/officeDocument/2006/relationships" xmlns:p="http://schemas.openxmlformats.org/presentationml/2006/main" show="0">
   <p:cSld>
     <p:spTree>
       <p:nvGrpSpPr>
@@ -11368,7 +11037,7 @@
               <a:defRPr/>
             </a:pPr>
             <a:r>
-              <a:rPr lang="en-US" smtClean="0"/>
+              <a:rPr lang="en-US"/>
               <a:t>Murach's JavaScript and jQuery (3rd Ed.)</a:t>
             </a:r>
             <a:endParaRPr lang="en-US" dirty="0"/>
@@ -11394,39 +11063,38 @@
               <a:defRPr/>
             </a:pPr>
             <a:r>
-              <a:rPr lang="en-US" smtClean="0"/>
+              <a:rPr lang="en-US"/>
               <a:t>© 2017, Mike Murach &amp; Associates, Inc.</a:t>
             </a:r>
+          </a:p>
+        </p:txBody>
+      </p:sp>
+      <p:sp>
+        <p:nvSpPr>
+          <p:cNvPr id="5" name="Slide Number Placeholder 4"/>
+          <p:cNvSpPr>
+            <a:spLocks noGrp="1"/>
+          </p:cNvSpPr>
+          <p:nvPr>
+            <p:ph type="sldNum" sz="quarter" idx="12"/>
+          </p:nvPr>
+        </p:nvSpPr>
+        <p:spPr/>
+        <p:txBody>
+          <a:bodyPr/>
+          <a:lstStyle/>
+          <a:p>
+            <a:pPr>
+              <a:defRPr/>
+            </a:pPr>
             <a:endParaRPr lang="en-US"/>
           </a:p>
-        </p:txBody>
-      </p:sp>
-      <p:sp>
-        <p:nvSpPr>
-          <p:cNvPr id="5" name="Slide Number Placeholder 4"/>
-          <p:cNvSpPr>
-            <a:spLocks noGrp="1"/>
-          </p:cNvSpPr>
-          <p:nvPr>
-            <p:ph type="sldNum" sz="quarter" idx="12"/>
-          </p:nvPr>
-        </p:nvSpPr>
-        <p:spPr/>
-        <p:txBody>
-          <a:bodyPr/>
-          <a:lstStyle/>
-          <a:p>
-            <a:pPr>
-              <a:defRPr/>
-            </a:pPr>
-            <a:endParaRPr lang="en-US" smtClean="0"/>
-          </a:p>
           <a:p>
             <a:pPr algn="r">
               <a:defRPr/>
             </a:pPr>
             <a:r>
-              <a:rPr lang="en-US" sz="900" smtClean="0">
+              <a:rPr lang="en-US" sz="900">
                 <a:solidFill>
                   <a:schemeClr val="bg1"/>
                 </a:solidFill>
@@ -11477,12 +11145,12 @@
           <a:graphicData uri="http://schemas.openxmlformats.org/presentationml/2006/ole">
             <mc:AlternateContent xmlns:mc="http://schemas.openxmlformats.org/markup-compatibility/2006">
               <mc:Choice xmlns:v="urn:schemas-microsoft-com:vml" Requires="v">
-                <p:oleObj spid="_x0000_s33802" name="Document" r:id="rId4" imgW="7313400" imgH="3773769" progId="Word.Document.12">
+                <p:oleObj spid="_x0000_s33803" name="Document" r:id="rId3" imgW="7313400" imgH="3773769" progId="Word.Document.12">
                   <p:embed/>
                 </p:oleObj>
               </mc:Choice>
               <mc:Fallback>
-                <p:oleObj name="Document" r:id="rId4" imgW="7313400" imgH="3773769" progId="Word.Document.12">
+                <p:oleObj name="Document" r:id="rId3" imgW="7313400" imgH="3773769" progId="Word.Document.12">
                   <p:embed/>
                   <p:pic>
                     <p:nvPicPr>
@@ -11491,7 +11159,7 @@
                       <p:nvPr/>
                     </p:nvPicPr>
                     <p:blipFill>
-                      <a:blip r:embed="rId5"/>
+                      <a:blip r:embed="rId4"/>
                       <a:stretch>
                         <a:fillRect/>
                       </a:stretch>
@@ -11522,13 +11190,6 @@
   <p:clrMapOvr>
     <a:masterClrMapping/>
   </p:clrMapOvr>
-  <p:timing>
-    <p:tnLst>
-      <p:par>
-        <p:cTn id="1" dur="indefinite" restart="never" nodeType="tmRoot"/>
-      </p:par>
-    </p:tnLst>
-  </p:timing>
 </p:sld>
 </file>
 
@@ -11595,7 +11256,7 @@
               <a:defRPr/>
             </a:pPr>
             <a:r>
-              <a:rPr lang="en-US" smtClean="0"/>
+              <a:rPr lang="en-US"/>
               <a:t>Murach's JavaScript and jQuery (3rd Ed.)</a:t>
             </a:r>
             <a:endParaRPr lang="en-US" dirty="0"/>
@@ -11621,39 +11282,38 @@
               <a:defRPr/>
             </a:pPr>
             <a:r>
-              <a:rPr lang="en-US" smtClean="0"/>
+              <a:rPr lang="en-US"/>
               <a:t>© 2017, Mike Murach &amp; Associates, Inc.</a:t>
             </a:r>
+          </a:p>
+        </p:txBody>
+      </p:sp>
+      <p:sp>
+        <p:nvSpPr>
+          <p:cNvPr id="5" name="Slide Number Placeholder 4"/>
+          <p:cNvSpPr>
+            <a:spLocks noGrp="1"/>
+          </p:cNvSpPr>
+          <p:nvPr>
+            <p:ph type="sldNum" sz="quarter" idx="12"/>
+          </p:nvPr>
+        </p:nvSpPr>
+        <p:spPr/>
+        <p:txBody>
+          <a:bodyPr/>
+          <a:lstStyle/>
+          <a:p>
+            <a:pPr>
+              <a:defRPr/>
+            </a:pPr>
             <a:endParaRPr lang="en-US"/>
           </a:p>
-        </p:txBody>
-      </p:sp>
-      <p:sp>
-        <p:nvSpPr>
-          <p:cNvPr id="5" name="Slide Number Placeholder 4"/>
-          <p:cNvSpPr>
-            <a:spLocks noGrp="1"/>
-          </p:cNvSpPr>
-          <p:nvPr>
-            <p:ph type="sldNum" sz="quarter" idx="12"/>
-          </p:nvPr>
-        </p:nvSpPr>
-        <p:spPr/>
-        <p:txBody>
-          <a:bodyPr/>
-          <a:lstStyle/>
-          <a:p>
-            <a:pPr>
-              <a:defRPr/>
-            </a:pPr>
-            <a:endParaRPr lang="en-US" smtClean="0"/>
-          </a:p>
           <a:p>
             <a:pPr algn="r">
               <a:defRPr/>
             </a:pPr>
             <a:r>
-              <a:rPr lang="en-US" sz="900" smtClean="0">
+              <a:rPr lang="en-US" sz="900">
                 <a:solidFill>
                   <a:schemeClr val="bg1"/>
                 </a:solidFill>
@@ -11704,12 +11364,12 @@
           <a:graphicData uri="http://schemas.openxmlformats.org/presentationml/2006/ole">
             <mc:AlternateContent xmlns:mc="http://schemas.openxmlformats.org/markup-compatibility/2006">
               <mc:Choice xmlns:v="urn:schemas-microsoft-com:vml" Requires="v">
-                <p:oleObj spid="_x0000_s4107" name="Document" r:id="rId4" imgW="7301323" imgH="2324226" progId="Word.Document.12">
+                <p:oleObj spid="_x0000_s4108" name="Document" r:id="rId3" imgW="7301323" imgH="2324226" progId="Word.Document.12">
                   <p:embed/>
                 </p:oleObj>
               </mc:Choice>
               <mc:Fallback>
-                <p:oleObj name="Document" r:id="rId4" imgW="7301323" imgH="2324226" progId="Word.Document.12">
+                <p:oleObj name="Document" r:id="rId3" imgW="7301323" imgH="2324226" progId="Word.Document.12">
                   <p:embed/>
                   <p:pic>
                     <p:nvPicPr>
@@ -11718,7 +11378,7 @@
                       <p:nvPr/>
                     </p:nvPicPr>
                     <p:blipFill>
-                      <a:blip r:embed="rId5"/>
+                      <a:blip r:embed="rId4"/>
                       <a:stretch>
                         <a:fillRect/>
                       </a:stretch>
@@ -11749,13 +11409,6 @@
   <p:clrMapOvr>
     <a:masterClrMapping/>
   </p:clrMapOvr>
-  <p:timing>
-    <p:tnLst>
-      <p:par>
-        <p:cTn id="1" dur="indefinite" restart="never" nodeType="tmRoot"/>
-      </p:par>
-    </p:tnLst>
-  </p:timing>
 </p:sld>
 </file>
 
@@ -11822,7 +11475,7 @@
               <a:defRPr/>
             </a:pPr>
             <a:r>
-              <a:rPr lang="en-US" smtClean="0"/>
+              <a:rPr lang="en-US"/>
               <a:t>Murach's JavaScript and jQuery (3rd Ed.)</a:t>
             </a:r>
             <a:endParaRPr lang="en-US" dirty="0"/>
@@ -11848,39 +11501,38 @@
               <a:defRPr/>
             </a:pPr>
             <a:r>
-              <a:rPr lang="en-US" smtClean="0"/>
+              <a:rPr lang="en-US"/>
               <a:t>© 2017, Mike Murach &amp; Associates, Inc.</a:t>
             </a:r>
+          </a:p>
+        </p:txBody>
+      </p:sp>
+      <p:sp>
+        <p:nvSpPr>
+          <p:cNvPr id="5" name="Slide Number Placeholder 4"/>
+          <p:cNvSpPr>
+            <a:spLocks noGrp="1"/>
+          </p:cNvSpPr>
+          <p:nvPr>
+            <p:ph type="sldNum" sz="quarter" idx="12"/>
+          </p:nvPr>
+        </p:nvSpPr>
+        <p:spPr/>
+        <p:txBody>
+          <a:bodyPr/>
+          <a:lstStyle/>
+          <a:p>
+            <a:pPr>
+              <a:defRPr/>
+            </a:pPr>
             <a:endParaRPr lang="en-US"/>
           </a:p>
-        </p:txBody>
-      </p:sp>
-      <p:sp>
-        <p:nvSpPr>
-          <p:cNvPr id="5" name="Slide Number Placeholder 4"/>
-          <p:cNvSpPr>
-            <a:spLocks noGrp="1"/>
-          </p:cNvSpPr>
-          <p:nvPr>
-            <p:ph type="sldNum" sz="quarter" idx="12"/>
-          </p:nvPr>
-        </p:nvSpPr>
-        <p:spPr/>
-        <p:txBody>
-          <a:bodyPr/>
-          <a:lstStyle/>
-          <a:p>
-            <a:pPr>
-              <a:defRPr/>
-            </a:pPr>
-            <a:endParaRPr lang="en-US" smtClean="0"/>
-          </a:p>
           <a:p>
             <a:pPr algn="r">
               <a:defRPr/>
             </a:pPr>
             <a:r>
-              <a:rPr lang="en-US" sz="900" smtClean="0">
+              <a:rPr lang="en-US" sz="900">
                 <a:solidFill>
                   <a:schemeClr val="bg1"/>
                 </a:solidFill>
@@ -11931,12 +11583,12 @@
           <a:graphicData uri="http://schemas.openxmlformats.org/presentationml/2006/ole">
             <mc:AlternateContent xmlns:mc="http://schemas.openxmlformats.org/markup-compatibility/2006">
               <mc:Choice xmlns:v="urn:schemas-microsoft-com:vml" Requires="v">
-                <p:oleObj spid="_x0000_s5131" name="Document" r:id="rId4" imgW="7313400" imgH="4005470" progId="Word.Document.12">
+                <p:oleObj spid="_x0000_s5132" name="Document" r:id="rId3" imgW="7313400" imgH="4005470" progId="Word.Document.12">
                   <p:embed/>
                 </p:oleObj>
               </mc:Choice>
               <mc:Fallback>
-                <p:oleObj name="Document" r:id="rId4" imgW="7313400" imgH="4005470" progId="Word.Document.12">
+                <p:oleObj name="Document" r:id="rId3" imgW="7313400" imgH="4005470" progId="Word.Document.12">
                   <p:embed/>
                   <p:pic>
                     <p:nvPicPr>
@@ -11945,7 +11597,7 @@
                       <p:nvPr/>
                     </p:nvPicPr>
                     <p:blipFill>
-                      <a:blip r:embed="rId5"/>
+                      <a:blip r:embed="rId4"/>
                       <a:stretch>
                         <a:fillRect/>
                       </a:stretch>
@@ -11976,13 +11628,6 @@
   <p:clrMapOvr>
     <a:masterClrMapping/>
   </p:clrMapOvr>
-  <p:timing>
-    <p:tnLst>
-      <p:par>
-        <p:cTn id="1" dur="indefinite" restart="never" nodeType="tmRoot"/>
-      </p:par>
-    </p:tnLst>
-  </p:timing>
 </p:sld>
 </file>
 
@@ -12056,7 +11701,7 @@
               <a:defRPr/>
             </a:pPr>
             <a:r>
-              <a:rPr lang="en-US" smtClean="0"/>
+              <a:rPr lang="en-US"/>
               <a:t>Murach's JavaScript and jQuery (3rd Ed.)</a:t>
             </a:r>
             <a:endParaRPr lang="en-US" dirty="0"/>
@@ -12082,39 +11727,38 @@
               <a:defRPr/>
             </a:pPr>
             <a:r>
-              <a:rPr lang="en-US" smtClean="0"/>
+              <a:rPr lang="en-US"/>
               <a:t>© 2017, Mike Murach &amp; Associates, Inc.</a:t>
             </a:r>
+          </a:p>
+        </p:txBody>
+      </p:sp>
+      <p:sp>
+        <p:nvSpPr>
+          <p:cNvPr id="5" name="Slide Number Placeholder 4"/>
+          <p:cNvSpPr>
+            <a:spLocks noGrp="1"/>
+          </p:cNvSpPr>
+          <p:nvPr>
+            <p:ph type="sldNum" sz="quarter" idx="12"/>
+          </p:nvPr>
+        </p:nvSpPr>
+        <p:spPr/>
+        <p:txBody>
+          <a:bodyPr/>
+          <a:lstStyle/>
+          <a:p>
+            <a:pPr>
+              <a:defRPr/>
+            </a:pPr>
             <a:endParaRPr lang="en-US"/>
           </a:p>
-        </p:txBody>
-      </p:sp>
-      <p:sp>
-        <p:nvSpPr>
-          <p:cNvPr id="5" name="Slide Number Placeholder 4"/>
-          <p:cNvSpPr>
-            <a:spLocks noGrp="1"/>
-          </p:cNvSpPr>
-          <p:nvPr>
-            <p:ph type="sldNum" sz="quarter" idx="12"/>
-          </p:nvPr>
-        </p:nvSpPr>
-        <p:spPr/>
-        <p:txBody>
-          <a:bodyPr/>
-          <a:lstStyle/>
-          <a:p>
-            <a:pPr>
-              <a:defRPr/>
-            </a:pPr>
-            <a:endParaRPr lang="en-US" smtClean="0"/>
-          </a:p>
           <a:p>
             <a:pPr algn="r">
               <a:defRPr/>
             </a:pPr>
             <a:r>
-              <a:rPr lang="en-US" sz="900" smtClean="0">
+              <a:rPr lang="en-US" sz="900">
                 <a:solidFill>
                   <a:schemeClr val="bg1"/>
                 </a:solidFill>
@@ -12165,12 +11809,12 @@
           <a:graphicData uri="http://schemas.openxmlformats.org/presentationml/2006/ole">
             <mc:AlternateContent xmlns:mc="http://schemas.openxmlformats.org/markup-compatibility/2006">
               <mc:Choice xmlns:v="urn:schemas-microsoft-com:vml" Requires="v">
-                <p:oleObj spid="_x0000_s6155" name="Document" r:id="rId4" imgW="7313400" imgH="4607028" progId="Word.Document.12">
+                <p:oleObj spid="_x0000_s6156" name="Document" r:id="rId3" imgW="7313400" imgH="4607028" progId="Word.Document.12">
                   <p:embed/>
                 </p:oleObj>
               </mc:Choice>
               <mc:Fallback>
-                <p:oleObj name="Document" r:id="rId4" imgW="7313400" imgH="4607028" progId="Word.Document.12">
+                <p:oleObj name="Document" r:id="rId3" imgW="7313400" imgH="4607028" progId="Word.Document.12">
                   <p:embed/>
                   <p:pic>
                     <p:nvPicPr>
@@ -12179,7 +11823,7 @@
                       <p:nvPr/>
                     </p:nvPicPr>
                     <p:blipFill>
-                      <a:blip r:embed="rId5"/>
+                      <a:blip r:embed="rId4"/>
                       <a:stretch>
                         <a:fillRect/>
                       </a:stretch>
@@ -12210,13 +11854,6 @@
   <p:clrMapOvr>
     <a:masterClrMapping/>
   </p:clrMapOvr>
-  <p:timing>
-    <p:tnLst>
-      <p:par>
-        <p:cTn id="1" dur="indefinite" restart="never" nodeType="tmRoot"/>
-      </p:par>
-    </p:tnLst>
-  </p:timing>
 </p:sld>
 </file>
 
@@ -12283,7 +11920,7 @@
               <a:defRPr/>
             </a:pPr>
             <a:r>
-              <a:rPr lang="en-US" smtClean="0"/>
+              <a:rPr lang="en-US"/>
               <a:t>Murach's JavaScript and jQuery (3rd Ed.)</a:t>
             </a:r>
             <a:endParaRPr lang="en-US" dirty="0"/>
@@ -12309,39 +11946,38 @@
               <a:defRPr/>
             </a:pPr>
             <a:r>
-              <a:rPr lang="en-US" smtClean="0"/>
+              <a:rPr lang="en-US"/>
               <a:t>© 2017, Mike Murach &amp; Associates, Inc.</a:t>
             </a:r>
+          </a:p>
+        </p:txBody>
+      </p:sp>
+      <p:sp>
+        <p:nvSpPr>
+          <p:cNvPr id="5" name="Slide Number Placeholder 4"/>
+          <p:cNvSpPr>
+            <a:spLocks noGrp="1"/>
+          </p:cNvSpPr>
+          <p:nvPr>
+            <p:ph type="sldNum" sz="quarter" idx="12"/>
+          </p:nvPr>
+        </p:nvSpPr>
+        <p:spPr/>
+        <p:txBody>
+          <a:bodyPr/>
+          <a:lstStyle/>
+          <a:p>
+            <a:pPr>
+              <a:defRPr/>
+            </a:pPr>
             <a:endParaRPr lang="en-US"/>
           </a:p>
-        </p:txBody>
-      </p:sp>
-      <p:sp>
-        <p:nvSpPr>
-          <p:cNvPr id="5" name="Slide Number Placeholder 4"/>
-          <p:cNvSpPr>
-            <a:spLocks noGrp="1"/>
-          </p:cNvSpPr>
-          <p:nvPr>
-            <p:ph type="sldNum" sz="quarter" idx="12"/>
-          </p:nvPr>
-        </p:nvSpPr>
-        <p:spPr/>
-        <p:txBody>
-          <a:bodyPr/>
-          <a:lstStyle/>
-          <a:p>
-            <a:pPr>
-              <a:defRPr/>
-            </a:pPr>
-            <a:endParaRPr lang="en-US" smtClean="0"/>
-          </a:p>
           <a:p>
             <a:pPr algn="r">
               <a:defRPr/>
             </a:pPr>
             <a:r>
-              <a:rPr lang="en-US" sz="900" smtClean="0">
+              <a:rPr lang="en-US" sz="900">
                 <a:solidFill>
                   <a:schemeClr val="bg1"/>
                 </a:solidFill>
@@ -12392,12 +12028,12 @@
           <a:graphicData uri="http://schemas.openxmlformats.org/presentationml/2006/ole">
             <mc:AlternateContent xmlns:mc="http://schemas.openxmlformats.org/markup-compatibility/2006">
               <mc:Choice xmlns:v="urn:schemas-microsoft-com:vml" Requires="v">
-                <p:oleObj spid="_x0000_s7179" name="Document" r:id="rId4" imgW="7313400" imgH="1648168" progId="Word.Document.12">
+                <p:oleObj spid="_x0000_s7180" name="Document" r:id="rId3" imgW="7313400" imgH="1648168" progId="Word.Document.12">
                   <p:embed/>
                 </p:oleObj>
               </mc:Choice>
               <mc:Fallback>
-                <p:oleObj name="Document" r:id="rId4" imgW="7313400" imgH="1648168" progId="Word.Document.12">
+                <p:oleObj name="Document" r:id="rId3" imgW="7313400" imgH="1648168" progId="Word.Document.12">
                   <p:embed/>
                   <p:pic>
                     <p:nvPicPr>
@@ -12406,7 +12042,7 @@
                       <p:nvPr/>
                     </p:nvPicPr>
                     <p:blipFill>
-                      <a:blip r:embed="rId5"/>
+                      <a:blip r:embed="rId4"/>
                       <a:stretch>
                         <a:fillRect/>
                       </a:stretch>
@@ -12437,13 +12073,6 @@
   <p:clrMapOvr>
     <a:masterClrMapping/>
   </p:clrMapOvr>
-  <p:timing>
-    <p:tnLst>
-      <p:par>
-        <p:cTn id="1" dur="indefinite" restart="never" nodeType="tmRoot"/>
-      </p:par>
-    </p:tnLst>
-  </p:timing>
 </p:sld>
 </file>
 
@@ -12525,7 +12154,7 @@
               <a:defRPr/>
             </a:pPr>
             <a:r>
-              <a:rPr lang="en-US" smtClean="0"/>
+              <a:rPr lang="en-US"/>
               <a:t>Murach's JavaScript and jQuery (3rd Ed.)</a:t>
             </a:r>
             <a:endParaRPr lang="en-US" dirty="0"/>
@@ -12551,39 +12180,38 @@
               <a:defRPr/>
             </a:pPr>
             <a:r>
-              <a:rPr lang="en-US" smtClean="0"/>
+              <a:rPr lang="en-US"/>
               <a:t>© 2017, Mike Murach &amp; Associates, Inc.</a:t>
             </a:r>
+          </a:p>
+        </p:txBody>
+      </p:sp>
+      <p:sp>
+        <p:nvSpPr>
+          <p:cNvPr id="5" name="Slide Number Placeholder 4"/>
+          <p:cNvSpPr>
+            <a:spLocks noGrp="1"/>
+          </p:cNvSpPr>
+          <p:nvPr>
+            <p:ph type="sldNum" sz="quarter" idx="12"/>
+          </p:nvPr>
+        </p:nvSpPr>
+        <p:spPr/>
+        <p:txBody>
+          <a:bodyPr/>
+          <a:lstStyle/>
+          <a:p>
+            <a:pPr>
+              <a:defRPr/>
+            </a:pPr>
             <a:endParaRPr lang="en-US"/>
           </a:p>
-        </p:txBody>
-      </p:sp>
-      <p:sp>
-        <p:nvSpPr>
-          <p:cNvPr id="5" name="Slide Number Placeholder 4"/>
-          <p:cNvSpPr>
-            <a:spLocks noGrp="1"/>
-          </p:cNvSpPr>
-          <p:nvPr>
-            <p:ph type="sldNum" sz="quarter" idx="12"/>
-          </p:nvPr>
-        </p:nvSpPr>
-        <p:spPr/>
-        <p:txBody>
-          <a:bodyPr/>
-          <a:lstStyle/>
-          <a:p>
-            <a:pPr>
-              <a:defRPr/>
-            </a:pPr>
-            <a:endParaRPr lang="en-US" smtClean="0"/>
-          </a:p>
           <a:p>
             <a:pPr algn="r">
               <a:defRPr/>
             </a:pPr>
             <a:r>
-              <a:rPr lang="en-US" sz="900" smtClean="0">
+              <a:rPr lang="en-US" sz="900">
                 <a:solidFill>
                   <a:schemeClr val="bg1"/>
                 </a:solidFill>
@@ -12634,12 +12262,12 @@
           <a:graphicData uri="http://schemas.openxmlformats.org/presentationml/2006/ole">
             <mc:AlternateContent xmlns:mc="http://schemas.openxmlformats.org/markup-compatibility/2006">
               <mc:Choice xmlns:v="urn:schemas-microsoft-com:vml" Requires="v">
-                <p:oleObj spid="_x0000_s8203" name="Document" r:id="rId4" imgW="7313400" imgH="1150228" progId="Word.Document.12">
+                <p:oleObj spid="_x0000_s8204" name="Document" r:id="rId3" imgW="7313400" imgH="1150228" progId="Word.Document.12">
                   <p:embed/>
                 </p:oleObj>
               </mc:Choice>
               <mc:Fallback>
-                <p:oleObj name="Document" r:id="rId4" imgW="7313400" imgH="1150228" progId="Word.Document.12">
+                <p:oleObj name="Document" r:id="rId3" imgW="7313400" imgH="1150228" progId="Word.Document.12">
                   <p:embed/>
                   <p:pic>
                     <p:nvPicPr>
@@ -12648,7 +12276,7 @@
                       <p:nvPr/>
                     </p:nvPicPr>
                     <p:blipFill>
-                      <a:blip r:embed="rId5"/>
+                      <a:blip r:embed="rId4"/>
                       <a:stretch>
                         <a:fillRect/>
                       </a:stretch>
@@ -12679,13 +12307,6 @@
   <p:clrMapOvr>
     <a:masterClrMapping/>
   </p:clrMapOvr>
-  <p:timing>
-    <p:tnLst>
-      <p:par>
-        <p:cTn id="1" dur="indefinite" restart="never" nodeType="tmRoot"/>
-      </p:par>
-    </p:tnLst>
-  </p:timing>
 </p:sld>
 </file>
 
